--- a/GeneralUX/DXC Digital Explorer Logos.pptx
+++ b/GeneralUX/DXC Digital Explorer Logos.pptx
@@ -203,6 +203,195 @@
 </p:presentation>
 </file>
 
+<file path=ppt/revisionInfo.xml><?xml version="1.0" encoding="utf-8"?>
+<p1510:revInfo xmlns:a="http://schemas.openxmlformats.org/drawingml/2006/main" xmlns:r="http://schemas.openxmlformats.org/officeDocument/2006/relationships" xmlns:p1510="http://schemas.microsoft.com/office/powerpoint/2015/10/main">
+  <p1510:revLst>
+    <p1510:client id="{A7B0B08B-E841-4261-93A0-9E1A76D2ECEF}" v="4" dt="2019-06-26T10:59:46.010"/>
+  </p1510:revLst>
+</p1510:revInfo>
+</file>
+
+<file path=ppt/changesInfos/changesInfo1.xml><?xml version="1.0" encoding="utf-8"?>
+<pc:chgInfo xmlns:a="http://schemas.openxmlformats.org/drawingml/2006/main" xmlns:r="http://schemas.openxmlformats.org/officeDocument/2006/relationships" xmlns:ac="http://schemas.microsoft.com/office/drawing/2013/main/command" xmlns:pc="http://schemas.microsoft.com/office/powerpoint/2013/main/command">
+  <pc:docChgLst>
+    <pc:chgData name="David Stevens" userId="73fe415a-d21a-4898-bfab-0e75d37181d7" providerId="ADAL" clId="{A7B0B08B-E841-4261-93A0-9E1A76D2ECEF}"/>
+    <pc:docChg chg="modSld">
+      <pc:chgData name="David Stevens" userId="73fe415a-d21a-4898-bfab-0e75d37181d7" providerId="ADAL" clId="{A7B0B08B-E841-4261-93A0-9E1A76D2ECEF}" dt="2019-06-26T10:59:58.526" v="8" actId="1076"/>
+      <pc:docMkLst>
+        <pc:docMk/>
+      </pc:docMkLst>
+      <pc:sldChg chg="addSp delSp modSp">
+        <pc:chgData name="David Stevens" userId="73fe415a-d21a-4898-bfab-0e75d37181d7" providerId="ADAL" clId="{A7B0B08B-E841-4261-93A0-9E1A76D2ECEF}" dt="2019-06-26T10:59:58.526" v="8" actId="1076"/>
+        <pc:sldMkLst>
+          <pc:docMk/>
+          <pc:sldMk cId="4159684376" sldId="256"/>
+        </pc:sldMkLst>
+        <pc:spChg chg="add mod ord">
+          <ac:chgData name="David Stevens" userId="73fe415a-d21a-4898-bfab-0e75d37181d7" providerId="ADAL" clId="{A7B0B08B-E841-4261-93A0-9E1A76D2ECEF}" dt="2019-06-26T10:59:32.145" v="4" actId="167"/>
+          <ac:spMkLst>
+            <pc:docMk/>
+            <pc:sldMk cId="4159684376" sldId="256"/>
+            <ac:spMk id="2" creationId="{1CE7CA3E-CB56-41E5-86F0-83B167A3D182}"/>
+          </ac:spMkLst>
+        </pc:spChg>
+        <pc:spChg chg="mod topLvl">
+          <ac:chgData name="David Stevens" userId="73fe415a-d21a-4898-bfab-0e75d37181d7" providerId="ADAL" clId="{A7B0B08B-E841-4261-93A0-9E1A76D2ECEF}" dt="2019-06-26T10:59:25.094" v="0" actId="165"/>
+          <ac:spMkLst>
+            <pc:docMk/>
+            <pc:sldMk cId="4159684376" sldId="256"/>
+            <ac:spMk id="64" creationId="{0CF00B71-8843-4CC8-AC45-B7D7D2DD768B}"/>
+          </ac:spMkLst>
+        </pc:spChg>
+        <pc:spChg chg="mod">
+          <ac:chgData name="David Stevens" userId="73fe415a-d21a-4898-bfab-0e75d37181d7" providerId="ADAL" clId="{A7B0B08B-E841-4261-93A0-9E1A76D2ECEF}" dt="2019-06-26T10:59:46.010" v="6" actId="207"/>
+          <ac:spMkLst>
+            <pc:docMk/>
+            <pc:sldMk cId="4159684376" sldId="256"/>
+            <ac:spMk id="102" creationId="{BB9349E7-7C32-427A-8540-4078250EDD96}"/>
+          </ac:spMkLst>
+        </pc:spChg>
+        <pc:spChg chg="mod">
+          <ac:chgData name="David Stevens" userId="73fe415a-d21a-4898-bfab-0e75d37181d7" providerId="ADAL" clId="{A7B0B08B-E841-4261-93A0-9E1A76D2ECEF}" dt="2019-06-26T10:59:46.010" v="6" actId="207"/>
+          <ac:spMkLst>
+            <pc:docMk/>
+            <pc:sldMk cId="4159684376" sldId="256"/>
+            <ac:spMk id="116" creationId="{B4195C8C-2AA9-4731-B8FA-7ABBFC206C4D}"/>
+          </ac:spMkLst>
+        </pc:spChg>
+        <pc:spChg chg="mod">
+          <ac:chgData name="David Stevens" userId="73fe415a-d21a-4898-bfab-0e75d37181d7" providerId="ADAL" clId="{A7B0B08B-E841-4261-93A0-9E1A76D2ECEF}" dt="2019-06-26T10:59:46.010" v="6" actId="207"/>
+          <ac:spMkLst>
+            <pc:docMk/>
+            <pc:sldMk cId="4159684376" sldId="256"/>
+            <ac:spMk id="117" creationId="{A4AF7DAE-9E3A-4F13-88B0-6335FDD34C4E}"/>
+          </ac:spMkLst>
+        </pc:spChg>
+        <pc:spChg chg="mod">
+          <ac:chgData name="David Stevens" userId="73fe415a-d21a-4898-bfab-0e75d37181d7" providerId="ADAL" clId="{A7B0B08B-E841-4261-93A0-9E1A76D2ECEF}" dt="2019-06-26T10:59:46.010" v="6" actId="207"/>
+          <ac:spMkLst>
+            <pc:docMk/>
+            <pc:sldMk cId="4159684376" sldId="256"/>
+            <ac:spMk id="118" creationId="{45A5E780-5F8A-43AC-9973-931DE3F7B7CD}"/>
+          </ac:spMkLst>
+        </pc:spChg>
+        <pc:spChg chg="mod">
+          <ac:chgData name="David Stevens" userId="73fe415a-d21a-4898-bfab-0e75d37181d7" providerId="ADAL" clId="{A7B0B08B-E841-4261-93A0-9E1A76D2ECEF}" dt="2019-06-26T10:59:46.010" v="6" actId="207"/>
+          <ac:spMkLst>
+            <pc:docMk/>
+            <pc:sldMk cId="4159684376" sldId="256"/>
+            <ac:spMk id="119" creationId="{730FF260-DD24-4747-8B8D-A1F674DA72C0}"/>
+          </ac:spMkLst>
+        </pc:spChg>
+        <pc:spChg chg="mod">
+          <ac:chgData name="David Stevens" userId="73fe415a-d21a-4898-bfab-0e75d37181d7" providerId="ADAL" clId="{A7B0B08B-E841-4261-93A0-9E1A76D2ECEF}" dt="2019-06-26T10:59:46.010" v="6" actId="207"/>
+          <ac:spMkLst>
+            <pc:docMk/>
+            <pc:sldMk cId="4159684376" sldId="256"/>
+            <ac:spMk id="121" creationId="{25E2BC10-6011-4164-AC91-30CB87D6E471}"/>
+          </ac:spMkLst>
+        </pc:spChg>
+        <pc:spChg chg="mod">
+          <ac:chgData name="David Stevens" userId="73fe415a-d21a-4898-bfab-0e75d37181d7" providerId="ADAL" clId="{A7B0B08B-E841-4261-93A0-9E1A76D2ECEF}" dt="2019-06-26T10:59:46.010" v="6" actId="207"/>
+          <ac:spMkLst>
+            <pc:docMk/>
+            <pc:sldMk cId="4159684376" sldId="256"/>
+            <ac:spMk id="123" creationId="{F5F78CDC-A067-4DF6-945D-3BCAF3CAD0B4}"/>
+          </ac:spMkLst>
+        </pc:spChg>
+        <pc:grpChg chg="mod topLvl">
+          <ac:chgData name="David Stevens" userId="73fe415a-d21a-4898-bfab-0e75d37181d7" providerId="ADAL" clId="{A7B0B08B-E841-4261-93A0-9E1A76D2ECEF}" dt="2019-06-26T10:59:25.094" v="0" actId="165"/>
+          <ac:grpSpMkLst>
+            <pc:docMk/>
+            <pc:sldMk cId="4159684376" sldId="256"/>
+            <ac:grpSpMk id="35" creationId="{2411B4DC-CFC7-4930-BD82-ED8D19537744}"/>
+          </ac:grpSpMkLst>
+        </pc:grpChg>
+        <pc:grpChg chg="del">
+          <ac:chgData name="David Stevens" userId="73fe415a-d21a-4898-bfab-0e75d37181d7" providerId="ADAL" clId="{A7B0B08B-E841-4261-93A0-9E1A76D2ECEF}" dt="2019-06-26T10:59:25.094" v="0" actId="165"/>
+          <ac:grpSpMkLst>
+            <pc:docMk/>
+            <pc:sldMk cId="4159684376" sldId="256"/>
+            <ac:grpSpMk id="65" creationId="{A4CD8EE6-427A-49EB-9A4A-E1A8AEE4C795}"/>
+          </ac:grpSpMkLst>
+        </pc:grpChg>
+        <pc:grpChg chg="add mod">
+          <ac:chgData name="David Stevens" userId="73fe415a-d21a-4898-bfab-0e75d37181d7" providerId="ADAL" clId="{A7B0B08B-E841-4261-93A0-9E1A76D2ECEF}" dt="2019-06-26T10:59:58.526" v="8" actId="1076"/>
+          <ac:grpSpMkLst>
+            <pc:docMk/>
+            <pc:sldMk cId="4159684376" sldId="256"/>
+            <ac:grpSpMk id="97" creationId="{FFFFFA75-3AAC-4448-B65F-B3BC933D24C1}"/>
+          </ac:grpSpMkLst>
+        </pc:grpChg>
+        <pc:cxnChg chg="mod">
+          <ac:chgData name="David Stevens" userId="73fe415a-d21a-4898-bfab-0e75d37181d7" providerId="ADAL" clId="{A7B0B08B-E841-4261-93A0-9E1A76D2ECEF}" dt="2019-06-26T10:59:56.227" v="7" actId="208"/>
+          <ac:cxnSpMkLst>
+            <pc:docMk/>
+            <pc:sldMk cId="4159684376" sldId="256"/>
+            <ac:cxnSpMk id="98" creationId="{11A8F8A5-BDFE-454B-95E7-64BC51023A2F}"/>
+          </ac:cxnSpMkLst>
+        </pc:cxnChg>
+        <pc:cxnChg chg="mod">
+          <ac:chgData name="David Stevens" userId="73fe415a-d21a-4898-bfab-0e75d37181d7" providerId="ADAL" clId="{A7B0B08B-E841-4261-93A0-9E1A76D2ECEF}" dt="2019-06-26T10:59:56.227" v="7" actId="208"/>
+          <ac:cxnSpMkLst>
+            <pc:docMk/>
+            <pc:sldMk cId="4159684376" sldId="256"/>
+            <ac:cxnSpMk id="99" creationId="{94823015-B69C-4241-8F89-8915D68F2C43}"/>
+          </ac:cxnSpMkLst>
+        </pc:cxnChg>
+        <pc:cxnChg chg="mod">
+          <ac:chgData name="David Stevens" userId="73fe415a-d21a-4898-bfab-0e75d37181d7" providerId="ADAL" clId="{A7B0B08B-E841-4261-93A0-9E1A76D2ECEF}" dt="2019-06-26T10:59:56.227" v="7" actId="208"/>
+          <ac:cxnSpMkLst>
+            <pc:docMk/>
+            <pc:sldMk cId="4159684376" sldId="256"/>
+            <ac:cxnSpMk id="100" creationId="{5383E237-FC9D-43D4-9241-09500236DC5E}"/>
+          </ac:cxnSpMkLst>
+        </pc:cxnChg>
+        <pc:cxnChg chg="mod">
+          <ac:chgData name="David Stevens" userId="73fe415a-d21a-4898-bfab-0e75d37181d7" providerId="ADAL" clId="{A7B0B08B-E841-4261-93A0-9E1A76D2ECEF}" dt="2019-06-26T10:59:56.227" v="7" actId="208"/>
+          <ac:cxnSpMkLst>
+            <pc:docMk/>
+            <pc:sldMk cId="4159684376" sldId="256"/>
+            <ac:cxnSpMk id="101" creationId="{B61785D4-23AD-4ABC-B164-2D3F98B2898D}"/>
+          </ac:cxnSpMkLst>
+        </pc:cxnChg>
+        <pc:cxnChg chg="mod">
+          <ac:chgData name="David Stevens" userId="73fe415a-d21a-4898-bfab-0e75d37181d7" providerId="ADAL" clId="{A7B0B08B-E841-4261-93A0-9E1A76D2ECEF}" dt="2019-06-26T10:59:56.227" v="7" actId="208"/>
+          <ac:cxnSpMkLst>
+            <pc:docMk/>
+            <pc:sldMk cId="4159684376" sldId="256"/>
+            <ac:cxnSpMk id="120" creationId="{9F1503A6-9AD1-4B5F-80D1-237AE339DFF1}"/>
+          </ac:cxnSpMkLst>
+        </pc:cxnChg>
+        <pc:cxnChg chg="mod">
+          <ac:chgData name="David Stevens" userId="73fe415a-d21a-4898-bfab-0e75d37181d7" providerId="ADAL" clId="{A7B0B08B-E841-4261-93A0-9E1A76D2ECEF}" dt="2019-06-26T10:59:56.227" v="7" actId="208"/>
+          <ac:cxnSpMkLst>
+            <pc:docMk/>
+            <pc:sldMk cId="4159684376" sldId="256"/>
+            <ac:cxnSpMk id="122" creationId="{D6734884-B78D-46D8-A110-AEBB9C7E6C46}"/>
+          </ac:cxnSpMkLst>
+        </pc:cxnChg>
+        <pc:cxnChg chg="mod">
+          <ac:chgData name="David Stevens" userId="73fe415a-d21a-4898-bfab-0e75d37181d7" providerId="ADAL" clId="{A7B0B08B-E841-4261-93A0-9E1A76D2ECEF}" dt="2019-06-26T10:59:56.227" v="7" actId="208"/>
+          <ac:cxnSpMkLst>
+            <pc:docMk/>
+            <pc:sldMk cId="4159684376" sldId="256"/>
+            <ac:cxnSpMk id="124" creationId="{940C642B-749D-40D4-8304-1F8DA944292B}"/>
+          </ac:cxnSpMkLst>
+        </pc:cxnChg>
+        <pc:cxnChg chg="mod">
+          <ac:chgData name="David Stevens" userId="73fe415a-d21a-4898-bfab-0e75d37181d7" providerId="ADAL" clId="{A7B0B08B-E841-4261-93A0-9E1A76D2ECEF}" dt="2019-06-26T10:59:56.227" v="7" actId="208"/>
+          <ac:cxnSpMkLst>
+            <pc:docMk/>
+            <pc:sldMk cId="4159684376" sldId="256"/>
+            <ac:cxnSpMk id="125" creationId="{50683FA1-A1B6-45C7-A8BE-F3BF93023766}"/>
+          </ac:cxnSpMkLst>
+        </pc:cxnChg>
+      </pc:sldChg>
+    </pc:docChg>
+  </pc:docChgLst>
+</pc:chgInfo>
+</file>
+
 <file path=ppt/handoutMasters/handoutMaster1.xml><?xml version="1.0" encoding="utf-8"?>
 <p:handoutMaster xmlns:a="http://schemas.openxmlformats.org/drawingml/2006/main" xmlns:r="http://schemas.openxmlformats.org/officeDocument/2006/relationships" xmlns:p="http://schemas.openxmlformats.org/presentationml/2006/main">
   <p:cSld>
@@ -291,7 +480,7 @@
                 <a:latin typeface="Arial"/>
                 <a:cs typeface="Arial"/>
               </a:rPr>
-              <a:t>12/6/2018</a:t>
+              <a:t>6/26/2019</a:t>
             </a:fld>
             <a:endParaRPr lang="en-US">
               <a:latin typeface="Arial"/>
@@ -476,7 +665,7 @@
             <a:fld id="{73B26A0F-F4D6-9B4F-A87B-D8948CDE3BB4}" type="datetimeFigureOut">
               <a:rPr lang="en-US" smtClean="0"/>
               <a:pPr/>
-              <a:t>12/6/2018</a:t>
+              <a:t>6/26/2019</a:t>
             </a:fld>
             <a:endParaRPr lang="en-US"/>
           </a:p>
@@ -2120,7 +2309,7 @@
                   <a:spcPts val="0"/>
                 </a:spcBef>
               </a:pPr>
-              <a:t>December 6, 2018</a:t>
+              <a:t>June 26, 2019</a:t>
             </a:fld>
             <a:endParaRPr lang="en-US" sz="1400" b="0" dirty="0">
               <a:solidFill>
@@ -2152,7 +2341,7 @@
       </p:transition>
     </mc:Fallback>
   </mc:AlternateContent>
-  <p:extLst mod="1">
+  <p:extLst>
     <p:ext uri="{DCECCB84-F9BA-43D5-87BE-67443E8EF086}">
       <p15:sldGuideLst xmlns:p15="http://schemas.microsoft.com/office/powerpoint/2012/main"/>
     </p:ext>
@@ -3539,7 +3728,7 @@
                   <a:spcPts val="0"/>
                 </a:spcBef>
               </a:pPr>
-              <a:t>December 6, 2018</a:t>
+              <a:t>June 26, 2019</a:t>
             </a:fld>
             <a:endParaRPr lang="en-US" sz="1400" b="0" dirty="0">
               <a:solidFill>
@@ -6442,7 +6631,7 @@
                   <a:spcPts val="0"/>
                 </a:spcBef>
               </a:pPr>
-              <a:t>December 6, 2018</a:t>
+              <a:t>June 26, 2019</a:t>
             </a:fld>
             <a:endParaRPr lang="en-US" sz="1400" b="0" dirty="0">
               <a:solidFill>
@@ -7963,7 +8152,7 @@
                   <a:spcPts val="0"/>
                 </a:spcBef>
               </a:pPr>
-              <a:t>December 6, 2018</a:t>
+              <a:t>June 26, 2019</a:t>
             </a:fld>
             <a:endParaRPr lang="en-US" sz="1400" b="0" dirty="0">
               <a:solidFill>
@@ -9407,7 +9596,7 @@
                   <a:spcPts val="0"/>
                 </a:spcBef>
               </a:pPr>
-              <a:t>December 6, 2018</a:t>
+              <a:t>June 26, 2019</a:t>
             </a:fld>
             <a:endParaRPr lang="en-US" sz="1400" b="0" dirty="0">
               <a:solidFill>
@@ -9975,7 +10164,6 @@
         </p:txBody>
       </p:sp>
     </p:spTree>
-    <p:extLst/>
   </p:cSld>
   <p:clrMapOvr>
     <a:masterClrMapping/>
@@ -11650,7 +11838,7 @@
                   <a:spcPts val="0"/>
                 </a:spcBef>
               </a:pPr>
-              <a:t>December 6, 2018</a:t>
+              <a:t>June 26, 2019</a:t>
             </a:fld>
             <a:endParaRPr lang="en-US" sz="1400" b="0" dirty="0">
               <a:solidFill>
@@ -13137,7 +13325,7 @@
                   <a:spcPct val="50000"/>
                 </a:spcBef>
               </a:pPr>
-              <a:t>December 6, 2018</a:t>
+              <a:t>June 26, 2019</a:t>
             </a:fld>
             <a:endParaRPr lang="en-US" sz="1100" b="0" dirty="0">
               <a:solidFill>
@@ -13644,7 +13832,6 @@
         </p:txBody>
       </p:sp>
     </p:spTree>
-    <p:extLst/>
   </p:cSld>
   <p:clrMapOvr>
     <a:masterClrMapping/>
@@ -14890,7 +15077,7 @@
                   <a:spcPct val="50000"/>
                 </a:spcBef>
               </a:pPr>
-              <a:t>December 6, 2018</a:t>
+              <a:t>June 26, 2019</a:t>
             </a:fld>
             <a:endParaRPr lang="en-US" sz="1100" b="0" dirty="0">
               <a:solidFill>
@@ -16523,7 +16710,7 @@
                   <a:spcPts val="0"/>
                 </a:spcBef>
               </a:pPr>
-              <a:t>December 6, 2018</a:t>
+              <a:t>June 26, 2019</a:t>
             </a:fld>
             <a:endParaRPr lang="en-US" sz="1100" b="0" dirty="0">
               <a:solidFill>
@@ -16760,7 +16947,6 @@
         </p:spPr>
       </p:pic>
     </p:spTree>
-    <p:extLst/>
   </p:cSld>
   <p:clrMapOvr>
     <a:masterClrMapping/>
@@ -17922,7 +18108,7 @@
                   <a:spcPts val="0"/>
                 </a:spcBef>
               </a:pPr>
-              <a:t>December 6, 2018</a:t>
+              <a:t>June 26, 2019</a:t>
             </a:fld>
             <a:endParaRPr lang="en-US" sz="1100" b="0" dirty="0">
               <a:solidFill>
@@ -18227,7 +18413,6 @@
         </p:txBody>
       </p:sp>
     </p:spTree>
-    <p:extLst/>
   </p:cSld>
   <p:clrMapOvr>
     <a:masterClrMapping/>
@@ -19359,7 +19544,7 @@
                   <a:spcPct val="50000"/>
                 </a:spcBef>
               </a:pPr>
-              <a:t>December 6, 2018</a:t>
+              <a:t>June 26, 2019</a:t>
             </a:fld>
             <a:endParaRPr lang="en-US" sz="1100" b="0" dirty="0">
               <a:solidFill>
@@ -22272,7 +22457,7 @@
                   <a:spcPts val="0"/>
                 </a:spcBef>
               </a:pPr>
-              <a:t>December 6, 2018</a:t>
+              <a:t>June 26, 2019</a:t>
             </a:fld>
             <a:endParaRPr lang="en-US" sz="1400" b="0" dirty="0">
               <a:solidFill>
@@ -22283,7 +22468,6 @@
         </p:txBody>
       </p:sp>
     </p:spTree>
-    <p:extLst/>
   </p:cSld>
   <p:clrMapOvr>
     <a:masterClrMapping/>
@@ -23833,7 +24017,7 @@
                   <a:spcPts val="0"/>
                 </a:spcBef>
               </a:pPr>
-              <a:t>December 6, 2018</a:t>
+              <a:t>June 26, 2019</a:t>
             </a:fld>
             <a:endParaRPr lang="en-US" sz="1400" b="0" dirty="0">
               <a:solidFill>
@@ -25363,7 +25547,7 @@
                   <a:spcPts val="0"/>
                 </a:spcBef>
               </a:pPr>
-              <a:t>December 6, 2018</a:t>
+              <a:t>June 26, 2019</a:t>
             </a:fld>
             <a:endParaRPr lang="en-US" sz="1400" b="0" dirty="0">
               <a:solidFill>
@@ -26807,7 +26991,7 @@
                   <a:spcPts val="0"/>
                 </a:spcBef>
               </a:pPr>
-              <a:t>December 6, 2018</a:t>
+              <a:t>June 26, 2019</a:t>
             </a:fld>
             <a:endParaRPr lang="en-US" sz="1400" b="0" dirty="0">
               <a:solidFill>
@@ -28328,7 +28512,7 @@
                   <a:spcPts val="0"/>
                 </a:spcBef>
               </a:pPr>
-              <a:t>December 6, 2018</a:t>
+              <a:t>June 26, 2019</a:t>
             </a:fld>
             <a:endParaRPr lang="en-US" sz="1400" b="0" dirty="0">
               <a:solidFill>
@@ -29774,7 +29958,7 @@
                   <a:spcPts val="0"/>
                 </a:spcBef>
               </a:pPr>
-              <a:t>December 6, 2018</a:t>
+              <a:t>June 26, 2019</a:t>
             </a:fld>
             <a:endParaRPr lang="en-US" sz="1400" b="0" dirty="0">
               <a:solidFill>
@@ -31188,7 +31372,7 @@
                   <a:spcPts val="0"/>
                 </a:spcBef>
               </a:pPr>
-              <a:t>December 6, 2018</a:t>
+              <a:t>June 26, 2019</a:t>
             </a:fld>
             <a:endParaRPr lang="en-US" sz="1400" b="0" dirty="0">
               <a:solidFill>
@@ -32387,7 +32571,7 @@
                   <a:spcPts val="0"/>
                 </a:spcBef>
               </a:pPr>
-              <a:t>December 6, 2018</a:t>
+              <a:t>June 26, 2019</a:t>
             </a:fld>
             <a:endParaRPr lang="en-US" sz="1100" b="0" dirty="0">
               <a:solidFill>
@@ -32885,7 +33069,7 @@
       </a:lvl9pPr>
     </p:otherStyle>
   </p:txStyles>
-  <p:extLst mod="1">
+  <p:extLst>
     <p:ext uri="{27BBF7A9-308A-43DC-89C8-2F10F3537804}">
       <p15:sldGuideLst xmlns:p15="http://schemas.microsoft.com/office/powerpoint/2012/main">
         <p15:guide id="1" orient="horz" pos="403" userDrawn="1">
@@ -32983,6 +33167,53 @@
       </p:grpSpPr>
       <p:sp>
         <p:nvSpPr>
+          <p:cNvPr id="2" name="Rectangle 1">
+            <a:extLst>
+              <a:ext uri="{FF2B5EF4-FFF2-40B4-BE49-F238E27FC236}">
+                <a16:creationId xmlns:a16="http://schemas.microsoft.com/office/drawing/2014/main" id="{1CE7CA3E-CB56-41E5-86F0-83B167A3D182}"/>
+              </a:ext>
+            </a:extLst>
+          </p:cNvPr>
+          <p:cNvSpPr/>
+          <p:nvPr/>
+        </p:nvSpPr>
+        <p:spPr>
+          <a:xfrm>
+            <a:off x="7315200" y="1268361"/>
+            <a:ext cx="4650658" cy="2364469"/>
+          </a:xfrm>
+          <a:prstGeom prst="rect">
+            <a:avLst/>
+          </a:prstGeom>
+          <a:ln>
+            <a:noFill/>
+          </a:ln>
+        </p:spPr>
+        <p:style>
+          <a:lnRef idx="0">
+            <a:schemeClr val="accent1"/>
+          </a:lnRef>
+          <a:fillRef idx="1">
+            <a:schemeClr val="accent1"/>
+          </a:fillRef>
+          <a:effectRef idx="0">
+            <a:schemeClr val="accent1"/>
+          </a:effectRef>
+          <a:fontRef idx="minor">
+            <a:schemeClr val="lt1"/>
+          </a:fontRef>
+        </p:style>
+        <p:txBody>
+          <a:bodyPr rtlCol="0" anchor="ctr"/>
+          <a:lstStyle/>
+          <a:p>
+            <a:pPr algn="ctr"/>
+            <a:endParaRPr lang="en-GB"/>
+          </a:p>
+        </p:txBody>
+      </p:sp>
+      <p:sp>
+        <p:nvSpPr>
           <p:cNvPr id="4" name="Title 3">
             <a:extLst>
               <a:ext uri="{FF2B5EF4-FFF2-40B4-BE49-F238E27FC236}">
@@ -33011,10 +33242,10 @@
       </p:sp>
       <p:grpSp>
         <p:nvGrpSpPr>
-          <p:cNvPr id="65" name="Group 64">
+          <p:cNvPr id="35" name="Group 34">
             <a:extLst>
               <a:ext uri="{FF2B5EF4-FFF2-40B4-BE49-F238E27FC236}">
-                <a16:creationId xmlns:a16="http://schemas.microsoft.com/office/drawing/2014/main" id="{A4CD8EE6-427A-49EB-9A4A-E1A8AEE4C795}"/>
+                <a16:creationId xmlns:a16="http://schemas.microsoft.com/office/drawing/2014/main" id="{2411B4DC-CFC7-4930-BD82-ED8D19537744}"/>
               </a:ext>
             </a:extLst>
           </p:cNvPr>
@@ -33024,1348 +33255,1327 @@
         <p:grpSpPr>
           <a:xfrm>
             <a:off x="685800" y="1792380"/>
-            <a:ext cx="5132145" cy="1155700"/>
-            <a:chOff x="685800" y="1792380"/>
-            <a:chExt cx="5132145" cy="1155700"/>
+            <a:ext cx="1262197" cy="1155700"/>
+            <a:chOff x="1921047" y="2009393"/>
+            <a:chExt cx="3929255" cy="3597728"/>
           </a:xfrm>
         </p:grpSpPr>
-        <p:grpSp>
-          <p:nvGrpSpPr>
-            <p:cNvPr id="35" name="Group 34">
+        <p:cxnSp>
+          <p:nvCxnSpPr>
+            <p:cNvPr id="36" name="Straight Connector 35">
               <a:extLst>
                 <a:ext uri="{FF2B5EF4-FFF2-40B4-BE49-F238E27FC236}">
-                  <a16:creationId xmlns:a16="http://schemas.microsoft.com/office/drawing/2014/main" id="{2411B4DC-CFC7-4930-BD82-ED8D19537744}"/>
+                  <a16:creationId xmlns:a16="http://schemas.microsoft.com/office/drawing/2014/main" id="{30F83A17-8192-4EAC-98A4-04EDBA94CF88}"/>
                 </a:ext>
               </a:extLst>
             </p:cNvPr>
-            <p:cNvGrpSpPr/>
+            <p:cNvCxnSpPr>
+              <a:cxnSpLocks/>
+            </p:cNvCxnSpPr>
             <p:nvPr/>
-          </p:nvGrpSpPr>
-          <p:grpSpPr>
-            <a:xfrm>
-              <a:off x="685800" y="1792380"/>
-              <a:ext cx="1262197" cy="1155700"/>
-              <a:chOff x="1921047" y="2009393"/>
-              <a:chExt cx="3929255" cy="3597728"/>
-            </a:xfrm>
-          </p:grpSpPr>
-          <p:cxnSp>
-            <p:nvCxnSpPr>
-              <p:cNvPr id="36" name="Straight Connector 35">
-                <a:extLst>
-                  <a:ext uri="{FF2B5EF4-FFF2-40B4-BE49-F238E27FC236}">
-                    <a16:creationId xmlns:a16="http://schemas.microsoft.com/office/drawing/2014/main" id="{30F83A17-8192-4EAC-98A4-04EDBA94CF88}"/>
-                  </a:ext>
-                </a:extLst>
-              </p:cNvPr>
-              <p:cNvCxnSpPr>
-                <a:cxnSpLocks/>
-              </p:cNvCxnSpPr>
-              <p:nvPr/>
-            </p:nvCxnSpPr>
-            <p:spPr>
-              <a:xfrm rot="2248319">
-                <a:off x="3041815" y="3371315"/>
-                <a:ext cx="1001804" cy="23145"/>
-              </a:xfrm>
-              <a:prstGeom prst="line">
-                <a:avLst/>
-              </a:prstGeom>
-              <a:noFill/>
-              <a:ln w="28575" cap="sq" cmpd="sng" algn="ctr">
-                <a:solidFill>
-                  <a:srgbClr val="000000"/>
-                </a:solidFill>
-                <a:prstDash val="solid"/>
-              </a:ln>
-              <a:effectLst/>
-            </p:spPr>
-          </p:cxnSp>
-          <p:cxnSp>
-            <p:nvCxnSpPr>
-              <p:cNvPr id="37" name="Straight Connector 36">
-                <a:extLst>
-                  <a:ext uri="{FF2B5EF4-FFF2-40B4-BE49-F238E27FC236}">
-                    <a16:creationId xmlns:a16="http://schemas.microsoft.com/office/drawing/2014/main" id="{E0CFDBF0-64BF-4112-8592-4B1251CCB096}"/>
-                  </a:ext>
-                </a:extLst>
-              </p:cNvPr>
-              <p:cNvCxnSpPr>
-                <a:cxnSpLocks/>
-              </p:cNvCxnSpPr>
-              <p:nvPr/>
-            </p:nvCxnSpPr>
-            <p:spPr>
-              <a:xfrm rot="2248319" flipV="1">
-                <a:off x="2398973" y="4215060"/>
-                <a:ext cx="1021929" cy="1"/>
-              </a:xfrm>
-              <a:prstGeom prst="line">
-                <a:avLst/>
-              </a:prstGeom>
-              <a:noFill/>
-              <a:ln w="28575" cap="sq" cmpd="sng" algn="ctr">
-                <a:solidFill>
-                  <a:srgbClr val="000000"/>
-                </a:solidFill>
-                <a:prstDash val="solid"/>
-              </a:ln>
-              <a:effectLst/>
-            </p:spPr>
-          </p:cxnSp>
-          <p:cxnSp>
-            <p:nvCxnSpPr>
-              <p:cNvPr id="38" name="Straight Connector 37">
-                <a:extLst>
-                  <a:ext uri="{FF2B5EF4-FFF2-40B4-BE49-F238E27FC236}">
-                    <a16:creationId xmlns:a16="http://schemas.microsoft.com/office/drawing/2014/main" id="{F3941268-E0EE-42E4-BAC4-41075C28558C}"/>
-                  </a:ext>
-                </a:extLst>
-              </p:cNvPr>
-              <p:cNvCxnSpPr>
-                <a:cxnSpLocks/>
-              </p:cNvCxnSpPr>
-              <p:nvPr/>
-            </p:nvCxnSpPr>
-            <p:spPr>
-              <a:xfrm rot="2248319" flipH="1" flipV="1">
-                <a:off x="3629328" y="3600560"/>
-                <a:ext cx="10894" cy="1019415"/>
-              </a:xfrm>
-              <a:prstGeom prst="line">
-                <a:avLst/>
-              </a:prstGeom>
-              <a:noFill/>
-              <a:ln w="28575" cap="sq" cmpd="sng" algn="ctr">
-                <a:solidFill>
-                  <a:srgbClr val="000000"/>
-                </a:solidFill>
-                <a:prstDash val="solid"/>
-              </a:ln>
-              <a:effectLst/>
-            </p:spPr>
-          </p:cxnSp>
-          <p:cxnSp>
-            <p:nvCxnSpPr>
-              <p:cNvPr id="39" name="Straight Connector 38">
-                <a:extLst>
-                  <a:ext uri="{FF2B5EF4-FFF2-40B4-BE49-F238E27FC236}">
-                    <a16:creationId xmlns:a16="http://schemas.microsoft.com/office/drawing/2014/main" id="{B759ED9D-D9C5-419D-BB08-68D2F589BDA7}"/>
-                  </a:ext>
-                </a:extLst>
-              </p:cNvPr>
-              <p:cNvCxnSpPr>
-                <a:cxnSpLocks/>
-              </p:cNvCxnSpPr>
-              <p:nvPr/>
-            </p:nvCxnSpPr>
-            <p:spPr>
-              <a:xfrm rot="2248319" flipH="1">
-                <a:off x="3197930" y="2233395"/>
-                <a:ext cx="744193" cy="963096"/>
-              </a:xfrm>
-              <a:prstGeom prst="line">
-                <a:avLst/>
-              </a:prstGeom>
-              <a:noFill/>
-              <a:ln w="28575" cap="sq" cmpd="sng" algn="ctr">
-                <a:solidFill>
-                  <a:srgbClr val="000000"/>
-                </a:solidFill>
-                <a:prstDash val="solid"/>
-              </a:ln>
-              <a:effectLst/>
-            </p:spPr>
-          </p:cxnSp>
-          <p:sp>
-            <p:nvSpPr>
-              <p:cNvPr id="40" name="Oval 39">
-                <a:extLst>
-                  <a:ext uri="{FF2B5EF4-FFF2-40B4-BE49-F238E27FC236}">
-                    <a16:creationId xmlns:a16="http://schemas.microsoft.com/office/drawing/2014/main" id="{CF3070A0-53FB-47DD-BE14-E33ECE83B92F}"/>
-                  </a:ext>
-                </a:extLst>
-              </p:cNvPr>
-              <p:cNvSpPr/>
-              <p:nvPr/>
-            </p:nvSpPr>
-            <p:spPr>
-              <a:xfrm rot="2248319">
-                <a:off x="2891462" y="4103698"/>
-                <a:ext cx="832731" cy="832731"/>
-              </a:xfrm>
-              <a:prstGeom prst="ellipse">
-                <a:avLst/>
-              </a:prstGeom>
+          </p:nvCxnSpPr>
+          <p:spPr>
+            <a:xfrm rot="2248319">
+              <a:off x="3041815" y="3371315"/>
+              <a:ext cx="1001804" cy="23145"/>
+            </a:xfrm>
+            <a:prstGeom prst="line">
+              <a:avLst/>
+            </a:prstGeom>
+            <a:noFill/>
+            <a:ln w="28575" cap="sq" cmpd="sng" algn="ctr">
               <a:solidFill>
                 <a:srgbClr val="000000"/>
               </a:solidFill>
-              <a:ln>
-                <a:noFill/>
-              </a:ln>
-              <a:effectLst/>
-            </p:spPr>
-            <p:txBody>
-              <a:bodyPr lIns="0" tIns="0" rIns="0" bIns="0" rtlCol="0" anchor="ctr"/>
-              <a:lstStyle/>
-              <a:p>
-                <a:pPr marL="0" marR="0" lvl="0" indent="0" algn="ctr" defTabSz="914400" eaLnBrk="1" fontAlgn="auto" latinLnBrk="0" hangingPunct="1">
-                  <a:lnSpc>
-                    <a:spcPct val="100000"/>
-                  </a:lnSpc>
-                  <a:spcBef>
-                    <a:spcPts val="0"/>
-                  </a:spcBef>
-                  <a:spcAft>
-                    <a:spcPts val="0"/>
-                  </a:spcAft>
-                  <a:buClrTx/>
-                  <a:buSzTx/>
-                  <a:buFontTx/>
-                  <a:buNone/>
-                  <a:tabLst/>
-                  <a:defRPr/>
-                </a:pPr>
-                <a:endParaRPr kumimoji="0" lang="en-GB" sz="1100" b="1" i="0" u="none" strike="noStrike" kern="0" cap="none" spc="0" normalizeH="0" baseline="0" noProof="0" dirty="0">
-                  <a:ln>
-                    <a:noFill/>
-                  </a:ln>
-                  <a:solidFill>
-                    <a:srgbClr val="FFFFFF"/>
-                  </a:solidFill>
-                  <a:effectLst/>
-                  <a:uLnTx/>
-                  <a:uFillTx/>
-                </a:endParaRPr>
-              </a:p>
-            </p:txBody>
-          </p:sp>
-          <p:sp>
-            <p:nvSpPr>
-              <p:cNvPr id="41" name="Oval 40">
-                <a:extLst>
-                  <a:ext uri="{FF2B5EF4-FFF2-40B4-BE49-F238E27FC236}">
-                    <a16:creationId xmlns:a16="http://schemas.microsoft.com/office/drawing/2014/main" id="{E5704F4B-7E2F-4765-ABDD-4DE4C9C1B6BB}"/>
-                  </a:ext>
-                </a:extLst>
-              </p:cNvPr>
-              <p:cNvSpPr/>
-              <p:nvPr/>
-            </p:nvSpPr>
-            <p:spPr>
-              <a:xfrm rot="2248319">
-                <a:off x="4471581" y="2972869"/>
-                <a:ext cx="433106" cy="433106"/>
-              </a:xfrm>
-              <a:prstGeom prst="ellipse">
-                <a:avLst/>
-              </a:prstGeom>
+              <a:prstDash val="solid"/>
+            </a:ln>
+            <a:effectLst/>
+          </p:spPr>
+        </p:cxnSp>
+        <p:cxnSp>
+          <p:nvCxnSpPr>
+            <p:cNvPr id="37" name="Straight Connector 36">
+              <a:extLst>
+                <a:ext uri="{FF2B5EF4-FFF2-40B4-BE49-F238E27FC236}">
+                  <a16:creationId xmlns:a16="http://schemas.microsoft.com/office/drawing/2014/main" id="{E0CFDBF0-64BF-4112-8592-4B1251CCB096}"/>
+                </a:ext>
+              </a:extLst>
+            </p:cNvPr>
+            <p:cNvCxnSpPr>
+              <a:cxnSpLocks/>
+            </p:cNvCxnSpPr>
+            <p:nvPr/>
+          </p:nvCxnSpPr>
+          <p:spPr>
+            <a:xfrm rot="2248319" flipV="1">
+              <a:off x="2398973" y="4215060"/>
+              <a:ext cx="1021929" cy="1"/>
+            </a:xfrm>
+            <a:prstGeom prst="line">
+              <a:avLst/>
+            </a:prstGeom>
+            <a:noFill/>
+            <a:ln w="28575" cap="sq" cmpd="sng" algn="ctr">
+              <a:solidFill>
+                <a:srgbClr val="000000"/>
+              </a:solidFill>
+              <a:prstDash val="solid"/>
+            </a:ln>
+            <a:effectLst/>
+          </p:spPr>
+        </p:cxnSp>
+        <p:cxnSp>
+          <p:nvCxnSpPr>
+            <p:cNvPr id="38" name="Straight Connector 37">
+              <a:extLst>
+                <a:ext uri="{FF2B5EF4-FFF2-40B4-BE49-F238E27FC236}">
+                  <a16:creationId xmlns:a16="http://schemas.microsoft.com/office/drawing/2014/main" id="{F3941268-E0EE-42E4-BAC4-41075C28558C}"/>
+                </a:ext>
+              </a:extLst>
+            </p:cNvPr>
+            <p:cNvCxnSpPr>
+              <a:cxnSpLocks/>
+            </p:cNvCxnSpPr>
+            <p:nvPr/>
+          </p:nvCxnSpPr>
+          <p:spPr>
+            <a:xfrm rot="2248319" flipH="1" flipV="1">
+              <a:off x="3629328" y="3600560"/>
+              <a:ext cx="10894" cy="1019415"/>
+            </a:xfrm>
+            <a:prstGeom prst="line">
+              <a:avLst/>
+            </a:prstGeom>
+            <a:noFill/>
+            <a:ln w="28575" cap="sq" cmpd="sng" algn="ctr">
+              <a:solidFill>
+                <a:srgbClr val="000000"/>
+              </a:solidFill>
+              <a:prstDash val="solid"/>
+            </a:ln>
+            <a:effectLst/>
+          </p:spPr>
+        </p:cxnSp>
+        <p:cxnSp>
+          <p:nvCxnSpPr>
+            <p:cNvPr id="39" name="Straight Connector 38">
+              <a:extLst>
+                <a:ext uri="{FF2B5EF4-FFF2-40B4-BE49-F238E27FC236}">
+                  <a16:creationId xmlns:a16="http://schemas.microsoft.com/office/drawing/2014/main" id="{B759ED9D-D9C5-419D-BB08-68D2F589BDA7}"/>
+                </a:ext>
+              </a:extLst>
+            </p:cNvPr>
+            <p:cNvCxnSpPr>
+              <a:cxnSpLocks/>
+            </p:cNvCxnSpPr>
+            <p:nvPr/>
+          </p:nvCxnSpPr>
+          <p:spPr>
+            <a:xfrm rot="2248319" flipH="1">
+              <a:off x="3197930" y="2233395"/>
+              <a:ext cx="744193" cy="963096"/>
+            </a:xfrm>
+            <a:prstGeom prst="line">
+              <a:avLst/>
+            </a:prstGeom>
+            <a:noFill/>
+            <a:ln w="28575" cap="sq" cmpd="sng" algn="ctr">
+              <a:solidFill>
+                <a:srgbClr val="000000"/>
+              </a:solidFill>
+              <a:prstDash val="solid"/>
+            </a:ln>
+            <a:effectLst/>
+          </p:spPr>
+        </p:cxnSp>
+        <p:sp>
+          <p:nvSpPr>
+            <p:cNvPr id="40" name="Oval 39">
+              <a:extLst>
+                <a:ext uri="{FF2B5EF4-FFF2-40B4-BE49-F238E27FC236}">
+                  <a16:creationId xmlns:a16="http://schemas.microsoft.com/office/drawing/2014/main" id="{CF3070A0-53FB-47DD-BE14-E33ECE83B92F}"/>
+                </a:ext>
+              </a:extLst>
+            </p:cNvPr>
+            <p:cNvSpPr/>
+            <p:nvPr/>
+          </p:nvSpPr>
+          <p:spPr>
+            <a:xfrm rot="2248319">
+              <a:off x="2891462" y="4103698"/>
+              <a:ext cx="832731" cy="832731"/>
+            </a:xfrm>
+            <a:prstGeom prst="ellipse">
+              <a:avLst/>
+            </a:prstGeom>
+            <a:solidFill>
+              <a:srgbClr val="000000"/>
+            </a:solidFill>
+            <a:ln>
+              <a:noFill/>
+            </a:ln>
+            <a:effectLst/>
+          </p:spPr>
+          <p:txBody>
+            <a:bodyPr lIns="0" tIns="0" rIns="0" bIns="0" rtlCol="0" anchor="ctr"/>
+            <a:lstStyle/>
+            <a:p>
+              <a:pPr marL="0" marR="0" lvl="0" indent="0" algn="ctr" defTabSz="914400" eaLnBrk="1" fontAlgn="auto" latinLnBrk="0" hangingPunct="1">
+                <a:lnSpc>
+                  <a:spcPct val="100000"/>
+                </a:lnSpc>
+                <a:spcBef>
+                  <a:spcPts val="0"/>
+                </a:spcBef>
+                <a:spcAft>
+                  <a:spcPts val="0"/>
+                </a:spcAft>
+                <a:buClrTx/>
+                <a:buSzTx/>
+                <a:buFontTx/>
+                <a:buNone/>
+                <a:tabLst/>
+                <a:defRPr/>
+              </a:pPr>
+              <a:endParaRPr kumimoji="0" lang="en-GB" sz="1100" b="1" i="0" u="none" strike="noStrike" kern="0" cap="none" spc="0" normalizeH="0" baseline="0" noProof="0" dirty="0">
+                <a:ln>
+                  <a:noFill/>
+                </a:ln>
+                <a:solidFill>
+                  <a:srgbClr val="FFFFFF"/>
+                </a:solidFill>
+                <a:effectLst/>
+                <a:uLnTx/>
+                <a:uFillTx/>
+              </a:endParaRPr>
+            </a:p>
+          </p:txBody>
+        </p:sp>
+        <p:sp>
+          <p:nvSpPr>
+            <p:cNvPr id="41" name="Oval 40">
+              <a:extLst>
+                <a:ext uri="{FF2B5EF4-FFF2-40B4-BE49-F238E27FC236}">
+                  <a16:creationId xmlns:a16="http://schemas.microsoft.com/office/drawing/2014/main" id="{E5704F4B-7E2F-4765-ABDD-4DE4C9C1B6BB}"/>
+                </a:ext>
+              </a:extLst>
+            </p:cNvPr>
+            <p:cNvSpPr/>
+            <p:nvPr/>
+          </p:nvSpPr>
+          <p:spPr>
+            <a:xfrm rot="2248319">
+              <a:off x="4471581" y="2972869"/>
+              <a:ext cx="433106" cy="433106"/>
+            </a:xfrm>
+            <a:prstGeom prst="ellipse">
+              <a:avLst/>
+            </a:prstGeom>
+            <a:solidFill>
+              <a:srgbClr val="FFED00"/>
+            </a:solidFill>
+            <a:ln w="28575">
+              <a:noFill/>
+            </a:ln>
+            <a:effectLst/>
+          </p:spPr>
+          <p:txBody>
+            <a:bodyPr lIns="0" tIns="0" rIns="0" bIns="0" rtlCol="0" anchor="ctr"/>
+            <a:lstStyle/>
+            <a:p>
+              <a:pPr marL="0" marR="0" lvl="0" indent="0" algn="ctr" defTabSz="914400" eaLnBrk="1" fontAlgn="auto" latinLnBrk="0" hangingPunct="1">
+                <a:lnSpc>
+                  <a:spcPct val="100000"/>
+                </a:lnSpc>
+                <a:spcBef>
+                  <a:spcPts val="0"/>
+                </a:spcBef>
+                <a:spcAft>
+                  <a:spcPts val="0"/>
+                </a:spcAft>
+                <a:buClrTx/>
+                <a:buSzTx/>
+                <a:buFontTx/>
+                <a:buNone/>
+                <a:tabLst/>
+                <a:defRPr/>
+              </a:pPr>
+              <a:endParaRPr kumimoji="0" lang="en-GB" sz="1100" b="1" i="0" u="none" strike="noStrike" kern="0" cap="none" spc="0" normalizeH="0" baseline="0" noProof="0" dirty="0">
+                <a:ln>
+                  <a:noFill/>
+                </a:ln>
+                <a:solidFill>
+                  <a:srgbClr val="000000"/>
+                </a:solidFill>
+                <a:effectLst/>
+                <a:uLnTx/>
+                <a:uFillTx/>
+              </a:endParaRPr>
+            </a:p>
+          </p:txBody>
+        </p:sp>
+        <p:sp>
+          <p:nvSpPr>
+            <p:cNvPr id="42" name="Oval 41">
+              <a:extLst>
+                <a:ext uri="{FF2B5EF4-FFF2-40B4-BE49-F238E27FC236}">
+                  <a16:creationId xmlns:a16="http://schemas.microsoft.com/office/drawing/2014/main" id="{A369F140-1DD4-46C7-8105-419C4FEAA651}"/>
+                </a:ext>
+              </a:extLst>
+            </p:cNvPr>
+            <p:cNvSpPr/>
+            <p:nvPr/>
+          </p:nvSpPr>
+          <p:spPr>
+            <a:xfrm rot="2248319">
+              <a:off x="4106925" y="4050847"/>
+              <a:ext cx="433106" cy="433106"/>
+            </a:xfrm>
+            <a:prstGeom prst="ellipse">
+              <a:avLst/>
+            </a:prstGeom>
+            <a:solidFill>
+              <a:srgbClr val="FFED00"/>
+            </a:solidFill>
+            <a:ln w="28575">
+              <a:noFill/>
+            </a:ln>
+            <a:effectLst/>
+          </p:spPr>
+          <p:txBody>
+            <a:bodyPr lIns="0" tIns="0" rIns="0" bIns="0" rtlCol="0" anchor="ctr"/>
+            <a:lstStyle/>
+            <a:p>
+              <a:pPr marL="0" marR="0" lvl="0" indent="0" algn="ctr" defTabSz="914400" eaLnBrk="1" fontAlgn="auto" latinLnBrk="0" hangingPunct="1">
+                <a:lnSpc>
+                  <a:spcPct val="100000"/>
+                </a:lnSpc>
+                <a:spcBef>
+                  <a:spcPts val="0"/>
+                </a:spcBef>
+                <a:spcAft>
+                  <a:spcPts val="0"/>
+                </a:spcAft>
+                <a:buClrTx/>
+                <a:buSzTx/>
+                <a:buFontTx/>
+                <a:buNone/>
+                <a:tabLst/>
+                <a:defRPr/>
+              </a:pPr>
+              <a:endParaRPr kumimoji="0" lang="en-GB" sz="1100" b="1" i="0" u="none" strike="noStrike" kern="0" cap="none" spc="0" normalizeH="0" baseline="0" noProof="0" dirty="0">
+                <a:ln>
+                  <a:noFill/>
+                </a:ln>
+                <a:solidFill>
+                  <a:srgbClr val="000000"/>
+                </a:solidFill>
+                <a:effectLst/>
+                <a:uLnTx/>
+                <a:uFillTx/>
+              </a:endParaRPr>
+            </a:p>
+          </p:txBody>
+        </p:sp>
+        <p:sp>
+          <p:nvSpPr>
+            <p:cNvPr id="43" name="Oval 42">
+              <a:extLst>
+                <a:ext uri="{FF2B5EF4-FFF2-40B4-BE49-F238E27FC236}">
+                  <a16:creationId xmlns:a16="http://schemas.microsoft.com/office/drawing/2014/main" id="{3042A067-C88A-4CFC-8F95-2E6CA6D560CA}"/>
+                </a:ext>
+              </a:extLst>
+            </p:cNvPr>
+            <p:cNvSpPr/>
+            <p:nvPr/>
+          </p:nvSpPr>
+          <p:spPr>
+            <a:xfrm rot="2248319">
+              <a:off x="2983156" y="3505997"/>
+              <a:ext cx="433106" cy="433106"/>
+            </a:xfrm>
+            <a:prstGeom prst="ellipse">
+              <a:avLst/>
+            </a:prstGeom>
+            <a:solidFill>
+              <a:srgbClr val="FFED00"/>
+            </a:solidFill>
+            <a:ln w="28575">
+              <a:noFill/>
+            </a:ln>
+            <a:effectLst/>
+          </p:spPr>
+          <p:txBody>
+            <a:bodyPr lIns="0" tIns="0" rIns="0" bIns="0" rtlCol="0" anchor="ctr"/>
+            <a:lstStyle/>
+            <a:p>
+              <a:pPr marL="0" marR="0" lvl="0" indent="0" algn="ctr" defTabSz="914400" eaLnBrk="1" fontAlgn="auto" latinLnBrk="0" hangingPunct="1">
+                <a:lnSpc>
+                  <a:spcPct val="100000"/>
+                </a:lnSpc>
+                <a:spcBef>
+                  <a:spcPts val="0"/>
+                </a:spcBef>
+                <a:spcAft>
+                  <a:spcPts val="0"/>
+                </a:spcAft>
+                <a:buClrTx/>
+                <a:buSzTx/>
+                <a:buFontTx/>
+                <a:buNone/>
+                <a:tabLst/>
+                <a:defRPr/>
+              </a:pPr>
+              <a:endParaRPr kumimoji="0" lang="en-GB" sz="1100" b="1" i="0" u="none" strike="noStrike" kern="0" cap="none" spc="0" normalizeH="0" baseline="0" noProof="0" dirty="0">
+                <a:ln>
+                  <a:noFill/>
+                </a:ln>
+                <a:solidFill>
+                  <a:srgbClr val="000000"/>
+                </a:solidFill>
+                <a:effectLst/>
+                <a:uLnTx/>
+                <a:uFillTx/>
+              </a:endParaRPr>
+            </a:p>
+          </p:txBody>
+        </p:sp>
+        <p:sp>
+          <p:nvSpPr>
+            <p:cNvPr id="44" name="Oval 43">
+              <a:extLst>
+                <a:ext uri="{FF2B5EF4-FFF2-40B4-BE49-F238E27FC236}">
+                  <a16:creationId xmlns:a16="http://schemas.microsoft.com/office/drawing/2014/main" id="{AA8B15C0-9B20-4B90-911A-669282E35086}"/>
+                </a:ext>
+              </a:extLst>
+            </p:cNvPr>
+            <p:cNvSpPr/>
+            <p:nvPr/>
+          </p:nvSpPr>
+          <p:spPr>
+            <a:xfrm rot="2248319">
+              <a:off x="3265335" y="2009393"/>
+              <a:ext cx="433106" cy="433106"/>
+            </a:xfrm>
+            <a:prstGeom prst="ellipse">
+              <a:avLst/>
+            </a:prstGeom>
+            <a:solidFill>
+              <a:srgbClr val="FFED00"/>
+            </a:solidFill>
+            <a:ln w="28575">
+              <a:noFill/>
+            </a:ln>
+            <a:effectLst/>
+          </p:spPr>
+          <p:txBody>
+            <a:bodyPr lIns="0" tIns="0" rIns="0" bIns="0" rtlCol="0" anchor="ctr"/>
+            <a:lstStyle/>
+            <a:p>
+              <a:pPr marL="0" marR="0" lvl="0" indent="0" algn="ctr" defTabSz="914400" eaLnBrk="1" fontAlgn="auto" latinLnBrk="0" hangingPunct="1">
+                <a:lnSpc>
+                  <a:spcPct val="100000"/>
+                </a:lnSpc>
+                <a:spcBef>
+                  <a:spcPts val="0"/>
+                </a:spcBef>
+                <a:spcAft>
+                  <a:spcPts val="0"/>
+                </a:spcAft>
+                <a:buClrTx/>
+                <a:buSzTx/>
+                <a:buFontTx/>
+                <a:buNone/>
+                <a:tabLst/>
+                <a:defRPr/>
+              </a:pPr>
+              <a:endParaRPr kumimoji="0" lang="en-GB" sz="1100" b="1" i="0" u="none" strike="noStrike" kern="0" cap="none" spc="0" normalizeH="0" baseline="0" noProof="0" dirty="0">
+                <a:ln>
+                  <a:noFill/>
+                </a:ln>
+                <a:solidFill>
+                  <a:srgbClr val="000000"/>
+                </a:solidFill>
+                <a:effectLst/>
+                <a:uLnTx/>
+                <a:uFillTx/>
+              </a:endParaRPr>
+            </a:p>
+          </p:txBody>
+        </p:sp>
+        <p:sp>
+          <p:nvSpPr>
+            <p:cNvPr id="45" name="Oval 44">
+              <a:extLst>
+                <a:ext uri="{FF2B5EF4-FFF2-40B4-BE49-F238E27FC236}">
+                  <a16:creationId xmlns:a16="http://schemas.microsoft.com/office/drawing/2014/main" id="{3652DCF2-9369-47E0-B7B4-86F5E1B0E5A0}"/>
+                </a:ext>
+              </a:extLst>
+            </p:cNvPr>
+            <p:cNvSpPr/>
+            <p:nvPr/>
+          </p:nvSpPr>
+          <p:spPr>
+            <a:xfrm rot="2248319">
+              <a:off x="4822564" y="4649470"/>
+              <a:ext cx="433106" cy="433106"/>
+            </a:xfrm>
+            <a:prstGeom prst="ellipse">
+              <a:avLst/>
+            </a:prstGeom>
+            <a:solidFill>
+              <a:srgbClr val="FFED00"/>
+            </a:solidFill>
+            <a:ln w="28575">
+              <a:noFill/>
+            </a:ln>
+            <a:effectLst/>
+          </p:spPr>
+          <p:txBody>
+            <a:bodyPr lIns="0" tIns="0" rIns="0" bIns="0" rtlCol="0" anchor="ctr"/>
+            <a:lstStyle/>
+            <a:p>
+              <a:pPr marL="0" marR="0" lvl="0" indent="0" algn="ctr" defTabSz="914400" eaLnBrk="1" fontAlgn="auto" latinLnBrk="0" hangingPunct="1">
+                <a:lnSpc>
+                  <a:spcPct val="100000"/>
+                </a:lnSpc>
+                <a:spcBef>
+                  <a:spcPts val="0"/>
+                </a:spcBef>
+                <a:spcAft>
+                  <a:spcPts val="0"/>
+                </a:spcAft>
+                <a:buClrTx/>
+                <a:buSzTx/>
+                <a:buFontTx/>
+                <a:buNone/>
+                <a:tabLst/>
+                <a:defRPr/>
+              </a:pPr>
+              <a:endParaRPr kumimoji="0" lang="en-GB" sz="1100" b="1" i="0" u="none" strike="noStrike" kern="0" cap="none" spc="0" normalizeH="0" baseline="0" noProof="0" dirty="0">
+                <a:ln>
+                  <a:noFill/>
+                </a:ln>
+                <a:solidFill>
+                  <a:srgbClr val="000000"/>
+                </a:solidFill>
+                <a:effectLst/>
+                <a:uLnTx/>
+                <a:uFillTx/>
+              </a:endParaRPr>
+            </a:p>
+          </p:txBody>
+        </p:sp>
+        <p:cxnSp>
+          <p:nvCxnSpPr>
+            <p:cNvPr id="46" name="Straight Connector 45">
+              <a:extLst>
+                <a:ext uri="{FF2B5EF4-FFF2-40B4-BE49-F238E27FC236}">
+                  <a16:creationId xmlns:a16="http://schemas.microsoft.com/office/drawing/2014/main" id="{42314746-C1C7-4780-85B1-B5F6A593DF9E}"/>
+                </a:ext>
+              </a:extLst>
+            </p:cNvPr>
+            <p:cNvCxnSpPr>
+              <a:cxnSpLocks/>
+            </p:cNvCxnSpPr>
+            <p:nvPr/>
+          </p:nvCxnSpPr>
+          <p:spPr>
+            <a:xfrm>
+              <a:off x="4682605" y="3215261"/>
+              <a:ext cx="377599" cy="1712581"/>
+            </a:xfrm>
+            <a:prstGeom prst="line">
+              <a:avLst/>
+            </a:prstGeom>
+            <a:solidFill>
+              <a:srgbClr val="FFED00"/>
+            </a:solidFill>
+            <a:ln w="12700" cap="sq" cmpd="sng" algn="ctr">
               <a:solidFill>
                 <a:srgbClr val="FFED00"/>
               </a:solidFill>
-              <a:ln w="28575">
-                <a:noFill/>
-              </a:ln>
-              <a:effectLst/>
-            </p:spPr>
-            <p:txBody>
-              <a:bodyPr lIns="0" tIns="0" rIns="0" bIns="0" rtlCol="0" anchor="ctr"/>
-              <a:lstStyle/>
-              <a:p>
-                <a:pPr marL="0" marR="0" lvl="0" indent="0" algn="ctr" defTabSz="914400" eaLnBrk="1" fontAlgn="auto" latinLnBrk="0" hangingPunct="1">
-                  <a:lnSpc>
-                    <a:spcPct val="100000"/>
-                  </a:lnSpc>
-                  <a:spcBef>
-                    <a:spcPts val="0"/>
-                  </a:spcBef>
-                  <a:spcAft>
-                    <a:spcPts val="0"/>
-                  </a:spcAft>
-                  <a:buClrTx/>
-                  <a:buSzTx/>
-                  <a:buFontTx/>
-                  <a:buNone/>
-                  <a:tabLst/>
-                  <a:defRPr/>
-                </a:pPr>
-                <a:endParaRPr kumimoji="0" lang="en-GB" sz="1100" b="1" i="0" u="none" strike="noStrike" kern="0" cap="none" spc="0" normalizeH="0" baseline="0" noProof="0" dirty="0">
-                  <a:ln>
-                    <a:noFill/>
-                  </a:ln>
-                  <a:solidFill>
-                    <a:srgbClr val="000000"/>
-                  </a:solidFill>
-                  <a:effectLst/>
-                  <a:uLnTx/>
-                  <a:uFillTx/>
-                </a:endParaRPr>
-              </a:p>
-            </p:txBody>
-          </p:sp>
-          <p:sp>
-            <p:nvSpPr>
-              <p:cNvPr id="42" name="Oval 41">
-                <a:extLst>
-                  <a:ext uri="{FF2B5EF4-FFF2-40B4-BE49-F238E27FC236}">
-                    <a16:creationId xmlns:a16="http://schemas.microsoft.com/office/drawing/2014/main" id="{A369F140-1DD4-46C7-8105-419C4FEAA651}"/>
-                  </a:ext>
-                </a:extLst>
-              </p:cNvPr>
-              <p:cNvSpPr/>
-              <p:nvPr/>
-            </p:nvSpPr>
-            <p:spPr>
-              <a:xfrm rot="2248319">
-                <a:off x="4106925" y="4050847"/>
-                <a:ext cx="433106" cy="433106"/>
-              </a:xfrm>
-              <a:prstGeom prst="ellipse">
-                <a:avLst/>
-              </a:prstGeom>
+              <a:prstDash val="solid"/>
+            </a:ln>
+            <a:effectLst/>
+          </p:spPr>
+        </p:cxnSp>
+        <p:cxnSp>
+          <p:nvCxnSpPr>
+            <p:cNvPr id="47" name="Straight Connector 46">
+              <a:extLst>
+                <a:ext uri="{FF2B5EF4-FFF2-40B4-BE49-F238E27FC236}">
+                  <a16:creationId xmlns:a16="http://schemas.microsoft.com/office/drawing/2014/main" id="{0778D481-CA8C-4B82-830B-BBFEDF02430E}"/>
+                </a:ext>
+              </a:extLst>
+            </p:cNvPr>
+            <p:cNvCxnSpPr>
+              <a:cxnSpLocks/>
+            </p:cNvCxnSpPr>
+            <p:nvPr/>
+          </p:nvCxnSpPr>
+          <p:spPr>
+            <a:xfrm flipH="1">
+              <a:off x="5039117" y="3468335"/>
+              <a:ext cx="377917" cy="1387074"/>
+            </a:xfrm>
+            <a:prstGeom prst="line">
+              <a:avLst/>
+            </a:prstGeom>
+            <a:solidFill>
+              <a:srgbClr val="FFED00"/>
+            </a:solidFill>
+            <a:ln w="12700" cap="sq" cmpd="sng" algn="ctr">
               <a:solidFill>
                 <a:srgbClr val="FFED00"/>
               </a:solidFill>
-              <a:ln w="28575">
-                <a:noFill/>
-              </a:ln>
-              <a:effectLst/>
-            </p:spPr>
-            <p:txBody>
-              <a:bodyPr lIns="0" tIns="0" rIns="0" bIns="0" rtlCol="0" anchor="ctr"/>
-              <a:lstStyle/>
-              <a:p>
-                <a:pPr marL="0" marR="0" lvl="0" indent="0" algn="ctr" defTabSz="914400" eaLnBrk="1" fontAlgn="auto" latinLnBrk="0" hangingPunct="1">
-                  <a:lnSpc>
-                    <a:spcPct val="100000"/>
-                  </a:lnSpc>
-                  <a:spcBef>
-                    <a:spcPts val="0"/>
-                  </a:spcBef>
-                  <a:spcAft>
-                    <a:spcPts val="0"/>
-                  </a:spcAft>
-                  <a:buClrTx/>
-                  <a:buSzTx/>
-                  <a:buFontTx/>
-                  <a:buNone/>
-                  <a:tabLst/>
-                  <a:defRPr/>
-                </a:pPr>
-                <a:endParaRPr kumimoji="0" lang="en-GB" sz="1100" b="1" i="0" u="none" strike="noStrike" kern="0" cap="none" spc="0" normalizeH="0" baseline="0" noProof="0" dirty="0">
-                  <a:ln>
-                    <a:noFill/>
-                  </a:ln>
-                  <a:solidFill>
-                    <a:srgbClr val="000000"/>
-                  </a:solidFill>
-                  <a:effectLst/>
-                  <a:uLnTx/>
-                  <a:uFillTx/>
-                </a:endParaRPr>
-              </a:p>
-            </p:txBody>
-          </p:sp>
-          <p:sp>
-            <p:nvSpPr>
-              <p:cNvPr id="43" name="Oval 42">
-                <a:extLst>
-                  <a:ext uri="{FF2B5EF4-FFF2-40B4-BE49-F238E27FC236}">
-                    <a16:creationId xmlns:a16="http://schemas.microsoft.com/office/drawing/2014/main" id="{3042A067-C88A-4CFC-8F95-2E6CA6D560CA}"/>
-                  </a:ext>
-                </a:extLst>
-              </p:cNvPr>
-              <p:cNvSpPr/>
-              <p:nvPr/>
-            </p:nvSpPr>
-            <p:spPr>
-              <a:xfrm rot="2248319">
-                <a:off x="2983156" y="3505997"/>
-                <a:ext cx="433106" cy="433106"/>
-              </a:xfrm>
-              <a:prstGeom prst="ellipse">
-                <a:avLst/>
-              </a:prstGeom>
+              <a:prstDash val="solid"/>
+            </a:ln>
+            <a:effectLst/>
+          </p:spPr>
+        </p:cxnSp>
+        <p:cxnSp>
+          <p:nvCxnSpPr>
+            <p:cNvPr id="48" name="Straight Connector 47">
+              <a:extLst>
+                <a:ext uri="{FF2B5EF4-FFF2-40B4-BE49-F238E27FC236}">
+                  <a16:creationId xmlns:a16="http://schemas.microsoft.com/office/drawing/2014/main" id="{D6530FCE-7795-4899-B72F-93E6CCF48E42}"/>
+                </a:ext>
+              </a:extLst>
+            </p:cNvPr>
+            <p:cNvCxnSpPr>
+              <a:cxnSpLocks/>
+            </p:cNvCxnSpPr>
+            <p:nvPr/>
+          </p:nvCxnSpPr>
+          <p:spPr>
+            <a:xfrm flipV="1">
+              <a:off x="4182775" y="4298273"/>
+              <a:ext cx="135921" cy="892483"/>
+            </a:xfrm>
+            <a:prstGeom prst="line">
+              <a:avLst/>
+            </a:prstGeom>
+            <a:noFill/>
+            <a:ln w="12700" cap="sq" cmpd="sng" algn="ctr">
               <a:solidFill>
                 <a:srgbClr val="FFED00"/>
               </a:solidFill>
-              <a:ln w="28575">
-                <a:noFill/>
-              </a:ln>
-              <a:effectLst/>
-            </p:spPr>
-            <p:txBody>
-              <a:bodyPr lIns="0" tIns="0" rIns="0" bIns="0" rtlCol="0" anchor="ctr"/>
-              <a:lstStyle/>
-              <a:p>
-                <a:pPr marL="0" marR="0" lvl="0" indent="0" algn="ctr" defTabSz="914400" eaLnBrk="1" fontAlgn="auto" latinLnBrk="0" hangingPunct="1">
-                  <a:lnSpc>
-                    <a:spcPct val="100000"/>
-                  </a:lnSpc>
-                  <a:spcBef>
-                    <a:spcPts val="0"/>
-                  </a:spcBef>
-                  <a:spcAft>
-                    <a:spcPts val="0"/>
-                  </a:spcAft>
-                  <a:buClrTx/>
-                  <a:buSzTx/>
-                  <a:buFontTx/>
-                  <a:buNone/>
-                  <a:tabLst/>
-                  <a:defRPr/>
-                </a:pPr>
-                <a:endParaRPr kumimoji="0" lang="en-GB" sz="1100" b="1" i="0" u="none" strike="noStrike" kern="0" cap="none" spc="0" normalizeH="0" baseline="0" noProof="0" dirty="0">
-                  <a:ln>
-                    <a:noFill/>
-                  </a:ln>
-                  <a:solidFill>
-                    <a:srgbClr val="000000"/>
-                  </a:solidFill>
-                  <a:effectLst/>
-                  <a:uLnTx/>
-                  <a:uFillTx/>
-                </a:endParaRPr>
-              </a:p>
-            </p:txBody>
-          </p:sp>
-          <p:sp>
-            <p:nvSpPr>
-              <p:cNvPr id="44" name="Oval 43">
-                <a:extLst>
-                  <a:ext uri="{FF2B5EF4-FFF2-40B4-BE49-F238E27FC236}">
-                    <a16:creationId xmlns:a16="http://schemas.microsoft.com/office/drawing/2014/main" id="{AA8B15C0-9B20-4B90-911A-669282E35086}"/>
-                  </a:ext>
-                </a:extLst>
-              </p:cNvPr>
-              <p:cNvSpPr/>
-              <p:nvPr/>
-            </p:nvSpPr>
-            <p:spPr>
-              <a:xfrm rot="2248319">
-                <a:off x="3265335" y="2009393"/>
-                <a:ext cx="433106" cy="433106"/>
-              </a:xfrm>
-              <a:prstGeom prst="ellipse">
-                <a:avLst/>
-              </a:prstGeom>
+              <a:prstDash val="solid"/>
+            </a:ln>
+            <a:effectLst/>
+          </p:spPr>
+        </p:cxnSp>
+        <p:cxnSp>
+          <p:nvCxnSpPr>
+            <p:cNvPr id="49" name="Straight Connector 48">
+              <a:extLst>
+                <a:ext uri="{FF2B5EF4-FFF2-40B4-BE49-F238E27FC236}">
+                  <a16:creationId xmlns:a16="http://schemas.microsoft.com/office/drawing/2014/main" id="{4B1C05C7-CE10-4BB4-B7E5-0077CC3757FD}"/>
+                </a:ext>
+              </a:extLst>
+            </p:cNvPr>
+            <p:cNvCxnSpPr>
+              <a:cxnSpLocks/>
+            </p:cNvCxnSpPr>
+            <p:nvPr/>
+          </p:nvCxnSpPr>
+          <p:spPr>
+            <a:xfrm>
+              <a:off x="3256205" y="3774781"/>
+              <a:ext cx="1058672" cy="508228"/>
+            </a:xfrm>
+            <a:prstGeom prst="line">
+              <a:avLst/>
+            </a:prstGeom>
+            <a:noFill/>
+            <a:ln w="12700" cap="sq" cmpd="sng" algn="ctr">
               <a:solidFill>
                 <a:srgbClr val="FFED00"/>
               </a:solidFill>
-              <a:ln w="28575">
-                <a:noFill/>
-              </a:ln>
-              <a:effectLst/>
-            </p:spPr>
-            <p:txBody>
-              <a:bodyPr lIns="0" tIns="0" rIns="0" bIns="0" rtlCol="0" anchor="ctr"/>
-              <a:lstStyle/>
-              <a:p>
-                <a:pPr marL="0" marR="0" lvl="0" indent="0" algn="ctr" defTabSz="914400" eaLnBrk="1" fontAlgn="auto" latinLnBrk="0" hangingPunct="1">
-                  <a:lnSpc>
-                    <a:spcPct val="100000"/>
-                  </a:lnSpc>
-                  <a:spcBef>
-                    <a:spcPts val="0"/>
-                  </a:spcBef>
-                  <a:spcAft>
-                    <a:spcPts val="0"/>
-                  </a:spcAft>
-                  <a:buClrTx/>
-                  <a:buSzTx/>
-                  <a:buFontTx/>
-                  <a:buNone/>
-                  <a:tabLst/>
-                  <a:defRPr/>
-                </a:pPr>
-                <a:endParaRPr kumimoji="0" lang="en-GB" sz="1100" b="1" i="0" u="none" strike="noStrike" kern="0" cap="none" spc="0" normalizeH="0" baseline="0" noProof="0" dirty="0">
-                  <a:ln>
-                    <a:noFill/>
-                  </a:ln>
-                  <a:solidFill>
-                    <a:srgbClr val="000000"/>
-                  </a:solidFill>
-                  <a:effectLst/>
-                  <a:uLnTx/>
-                  <a:uFillTx/>
-                </a:endParaRPr>
-              </a:p>
-            </p:txBody>
-          </p:sp>
-          <p:sp>
-            <p:nvSpPr>
-              <p:cNvPr id="45" name="Oval 44">
-                <a:extLst>
-                  <a:ext uri="{FF2B5EF4-FFF2-40B4-BE49-F238E27FC236}">
-                    <a16:creationId xmlns:a16="http://schemas.microsoft.com/office/drawing/2014/main" id="{3652DCF2-9369-47E0-B7B4-86F5E1B0E5A0}"/>
-                  </a:ext>
-                </a:extLst>
-              </p:cNvPr>
-              <p:cNvSpPr/>
-              <p:nvPr/>
-            </p:nvSpPr>
-            <p:spPr>
-              <a:xfrm rot="2248319">
-                <a:off x="4822564" y="4649470"/>
-                <a:ext cx="433106" cy="433106"/>
-              </a:xfrm>
-              <a:prstGeom prst="ellipse">
-                <a:avLst/>
-              </a:prstGeom>
+              <a:prstDash val="solid"/>
+            </a:ln>
+            <a:effectLst/>
+          </p:spPr>
+        </p:cxnSp>
+        <p:cxnSp>
+          <p:nvCxnSpPr>
+            <p:cNvPr id="50" name="Straight Connector 49">
+              <a:extLst>
+                <a:ext uri="{FF2B5EF4-FFF2-40B4-BE49-F238E27FC236}">
+                  <a16:creationId xmlns:a16="http://schemas.microsoft.com/office/drawing/2014/main" id="{E78E1AF8-6EE2-4227-855B-82EE2A3359F7}"/>
+                </a:ext>
+              </a:extLst>
+            </p:cNvPr>
+            <p:cNvCxnSpPr>
+              <a:cxnSpLocks/>
+            </p:cNvCxnSpPr>
+            <p:nvPr/>
+          </p:nvCxnSpPr>
+          <p:spPr>
+            <a:xfrm flipV="1">
+              <a:off x="2334131" y="3719338"/>
+              <a:ext cx="863960" cy="18892"/>
+            </a:xfrm>
+            <a:prstGeom prst="line">
+              <a:avLst/>
+            </a:prstGeom>
+            <a:noFill/>
+            <a:ln w="12700" cap="sq" cmpd="sng" algn="ctr">
               <a:solidFill>
                 <a:srgbClr val="FFED00"/>
               </a:solidFill>
-              <a:ln w="28575">
-                <a:noFill/>
-              </a:ln>
-              <a:effectLst/>
-            </p:spPr>
-            <p:txBody>
-              <a:bodyPr lIns="0" tIns="0" rIns="0" bIns="0" rtlCol="0" anchor="ctr"/>
-              <a:lstStyle/>
-              <a:p>
-                <a:pPr marL="0" marR="0" lvl="0" indent="0" algn="ctr" defTabSz="914400" eaLnBrk="1" fontAlgn="auto" latinLnBrk="0" hangingPunct="1">
-                  <a:lnSpc>
-                    <a:spcPct val="100000"/>
-                  </a:lnSpc>
-                  <a:spcBef>
-                    <a:spcPts val="0"/>
-                  </a:spcBef>
-                  <a:spcAft>
-                    <a:spcPts val="0"/>
-                  </a:spcAft>
-                  <a:buClrTx/>
-                  <a:buSzTx/>
-                  <a:buFontTx/>
-                  <a:buNone/>
-                  <a:tabLst/>
-                  <a:defRPr/>
-                </a:pPr>
-                <a:endParaRPr kumimoji="0" lang="en-GB" sz="1100" b="1" i="0" u="none" strike="noStrike" kern="0" cap="none" spc="0" normalizeH="0" baseline="0" noProof="0" dirty="0">
-                  <a:ln>
-                    <a:noFill/>
-                  </a:ln>
-                  <a:solidFill>
-                    <a:srgbClr val="000000"/>
-                  </a:solidFill>
-                  <a:effectLst/>
-                  <a:uLnTx/>
-                  <a:uFillTx/>
-                </a:endParaRPr>
-              </a:p>
-            </p:txBody>
-          </p:sp>
-          <p:cxnSp>
-            <p:nvCxnSpPr>
-              <p:cNvPr id="46" name="Straight Connector 45">
-                <a:extLst>
-                  <a:ext uri="{FF2B5EF4-FFF2-40B4-BE49-F238E27FC236}">
-                    <a16:creationId xmlns:a16="http://schemas.microsoft.com/office/drawing/2014/main" id="{42314746-C1C7-4780-85B1-B5F6A593DF9E}"/>
-                  </a:ext>
-                </a:extLst>
-              </p:cNvPr>
-              <p:cNvCxnSpPr>
-                <a:cxnSpLocks/>
-              </p:cNvCxnSpPr>
-              <p:nvPr/>
-            </p:nvCxnSpPr>
-            <p:spPr>
-              <a:xfrm>
-                <a:off x="4682605" y="3215261"/>
-                <a:ext cx="377599" cy="1712581"/>
-              </a:xfrm>
-              <a:prstGeom prst="line">
-                <a:avLst/>
-              </a:prstGeom>
+              <a:prstDash val="solid"/>
+            </a:ln>
+            <a:effectLst/>
+          </p:spPr>
+        </p:cxnSp>
+        <p:cxnSp>
+          <p:nvCxnSpPr>
+            <p:cNvPr id="51" name="Straight Connector 50">
+              <a:extLst>
+                <a:ext uri="{FF2B5EF4-FFF2-40B4-BE49-F238E27FC236}">
+                  <a16:creationId xmlns:a16="http://schemas.microsoft.com/office/drawing/2014/main" id="{C67FD80A-3436-46F4-B40B-23CB4B7B03A0}"/>
+                </a:ext>
+              </a:extLst>
+            </p:cNvPr>
+            <p:cNvCxnSpPr>
+              <a:cxnSpLocks/>
+            </p:cNvCxnSpPr>
+            <p:nvPr/>
+          </p:nvCxnSpPr>
+          <p:spPr>
+            <a:xfrm flipV="1">
+              <a:off x="2949174" y="2225947"/>
+              <a:ext cx="527590" cy="753706"/>
+            </a:xfrm>
+            <a:prstGeom prst="line">
+              <a:avLst/>
+            </a:prstGeom>
+            <a:solidFill>
+              <a:srgbClr val="FFED00"/>
+            </a:solidFill>
+            <a:ln w="12700" cap="sq" cmpd="sng" algn="ctr">
               <a:solidFill>
                 <a:srgbClr val="FFED00"/>
               </a:solidFill>
-              <a:ln w="12700" cap="sq" cmpd="sng" algn="ctr">
-                <a:solidFill>
-                  <a:srgbClr val="FFED00"/>
-                </a:solidFill>
-                <a:prstDash val="solid"/>
-              </a:ln>
-              <a:effectLst/>
-            </p:spPr>
-          </p:cxnSp>
-          <p:cxnSp>
-            <p:nvCxnSpPr>
-              <p:cNvPr id="47" name="Straight Connector 46">
-                <a:extLst>
-                  <a:ext uri="{FF2B5EF4-FFF2-40B4-BE49-F238E27FC236}">
-                    <a16:creationId xmlns:a16="http://schemas.microsoft.com/office/drawing/2014/main" id="{0778D481-CA8C-4B82-830B-BBFEDF02430E}"/>
-                  </a:ext>
-                </a:extLst>
-              </p:cNvPr>
-              <p:cNvCxnSpPr>
-                <a:cxnSpLocks/>
-              </p:cNvCxnSpPr>
-              <p:nvPr/>
-            </p:nvCxnSpPr>
-            <p:spPr>
-              <a:xfrm flipH="1">
-                <a:off x="5039117" y="3468335"/>
-                <a:ext cx="377917" cy="1387074"/>
-              </a:xfrm>
-              <a:prstGeom prst="line">
-                <a:avLst/>
-              </a:prstGeom>
+              <a:prstDash val="solid"/>
+            </a:ln>
+            <a:effectLst/>
+          </p:spPr>
+        </p:cxnSp>
+        <p:cxnSp>
+          <p:nvCxnSpPr>
+            <p:cNvPr id="52" name="Straight Connector 51">
+              <a:extLst>
+                <a:ext uri="{FF2B5EF4-FFF2-40B4-BE49-F238E27FC236}">
+                  <a16:creationId xmlns:a16="http://schemas.microsoft.com/office/drawing/2014/main" id="{FD828D1B-1166-45A3-9651-8B72E51A2CFB}"/>
+                </a:ext>
+              </a:extLst>
+            </p:cNvPr>
+            <p:cNvCxnSpPr>
+              <a:cxnSpLocks/>
+            </p:cNvCxnSpPr>
+            <p:nvPr/>
+          </p:nvCxnSpPr>
+          <p:spPr>
+            <a:xfrm flipH="1" flipV="1">
+              <a:off x="4186689" y="2502476"/>
+              <a:ext cx="504958" cy="694162"/>
+            </a:xfrm>
+            <a:prstGeom prst="line">
+              <a:avLst/>
+            </a:prstGeom>
+            <a:noFill/>
+            <a:ln w="12700" cap="sq" cmpd="sng" algn="ctr">
               <a:solidFill>
                 <a:srgbClr val="FFED00"/>
               </a:solidFill>
-              <a:ln w="12700" cap="sq" cmpd="sng" algn="ctr">
-                <a:solidFill>
-                  <a:srgbClr val="FFED00"/>
-                </a:solidFill>
-                <a:prstDash val="solid"/>
-              </a:ln>
-              <a:effectLst/>
-            </p:spPr>
-          </p:cxnSp>
-          <p:cxnSp>
-            <p:nvCxnSpPr>
-              <p:cNvPr id="48" name="Straight Connector 47">
-                <a:extLst>
-                  <a:ext uri="{FF2B5EF4-FFF2-40B4-BE49-F238E27FC236}">
-                    <a16:creationId xmlns:a16="http://schemas.microsoft.com/office/drawing/2014/main" id="{D6530FCE-7795-4899-B72F-93E6CCF48E42}"/>
-                  </a:ext>
-                </a:extLst>
-              </p:cNvPr>
-              <p:cNvCxnSpPr>
-                <a:cxnSpLocks/>
-              </p:cNvCxnSpPr>
-              <p:nvPr/>
-            </p:nvCxnSpPr>
-            <p:spPr>
-              <a:xfrm flipV="1">
-                <a:off x="4182775" y="4298273"/>
-                <a:ext cx="135921" cy="892483"/>
-              </a:xfrm>
-              <a:prstGeom prst="line">
-                <a:avLst/>
-              </a:prstGeom>
-              <a:noFill/>
-              <a:ln w="12700" cap="sq" cmpd="sng" algn="ctr">
-                <a:solidFill>
-                  <a:srgbClr val="FFED00"/>
-                </a:solidFill>
-                <a:prstDash val="solid"/>
-              </a:ln>
-              <a:effectLst/>
-            </p:spPr>
-          </p:cxnSp>
-          <p:cxnSp>
-            <p:nvCxnSpPr>
-              <p:cNvPr id="49" name="Straight Connector 48">
-                <a:extLst>
-                  <a:ext uri="{FF2B5EF4-FFF2-40B4-BE49-F238E27FC236}">
-                    <a16:creationId xmlns:a16="http://schemas.microsoft.com/office/drawing/2014/main" id="{4B1C05C7-CE10-4BB4-B7E5-0077CC3757FD}"/>
-                  </a:ext>
-                </a:extLst>
-              </p:cNvPr>
-              <p:cNvCxnSpPr>
-                <a:cxnSpLocks/>
-              </p:cNvCxnSpPr>
-              <p:nvPr/>
-            </p:nvCxnSpPr>
-            <p:spPr>
-              <a:xfrm>
-                <a:off x="3256205" y="3774781"/>
-                <a:ext cx="1058672" cy="508228"/>
-              </a:xfrm>
-              <a:prstGeom prst="line">
-                <a:avLst/>
-              </a:prstGeom>
-              <a:noFill/>
-              <a:ln w="12700" cap="sq" cmpd="sng" algn="ctr">
-                <a:solidFill>
-                  <a:srgbClr val="FFED00"/>
-                </a:solidFill>
-                <a:prstDash val="solid"/>
-              </a:ln>
-              <a:effectLst/>
-            </p:spPr>
-          </p:cxnSp>
-          <p:cxnSp>
-            <p:nvCxnSpPr>
-              <p:cNvPr id="50" name="Straight Connector 49">
-                <a:extLst>
-                  <a:ext uri="{FF2B5EF4-FFF2-40B4-BE49-F238E27FC236}">
-                    <a16:creationId xmlns:a16="http://schemas.microsoft.com/office/drawing/2014/main" id="{E78E1AF8-6EE2-4227-855B-82EE2A3359F7}"/>
-                  </a:ext>
-                </a:extLst>
-              </p:cNvPr>
-              <p:cNvCxnSpPr>
-                <a:cxnSpLocks/>
-              </p:cNvCxnSpPr>
-              <p:nvPr/>
-            </p:nvCxnSpPr>
-            <p:spPr>
-              <a:xfrm flipV="1">
-                <a:off x="2334131" y="3719338"/>
-                <a:ext cx="863960" cy="18892"/>
-              </a:xfrm>
-              <a:prstGeom prst="line">
-                <a:avLst/>
-              </a:prstGeom>
-              <a:noFill/>
-              <a:ln w="12700" cap="sq" cmpd="sng" algn="ctr">
-                <a:solidFill>
-                  <a:srgbClr val="FFED00"/>
-                </a:solidFill>
-                <a:prstDash val="solid"/>
-              </a:ln>
-              <a:effectLst/>
-            </p:spPr>
-          </p:cxnSp>
-          <p:cxnSp>
-            <p:nvCxnSpPr>
-              <p:cNvPr id="51" name="Straight Connector 50">
-                <a:extLst>
-                  <a:ext uri="{FF2B5EF4-FFF2-40B4-BE49-F238E27FC236}">
-                    <a16:creationId xmlns:a16="http://schemas.microsoft.com/office/drawing/2014/main" id="{C67FD80A-3436-46F4-B40B-23CB4B7B03A0}"/>
-                  </a:ext>
-                </a:extLst>
-              </p:cNvPr>
-              <p:cNvCxnSpPr>
-                <a:cxnSpLocks/>
-              </p:cNvCxnSpPr>
-              <p:nvPr/>
-            </p:nvCxnSpPr>
-            <p:spPr>
-              <a:xfrm flipV="1">
-                <a:off x="2949174" y="2225947"/>
-                <a:ext cx="527590" cy="753706"/>
-              </a:xfrm>
-              <a:prstGeom prst="line">
-                <a:avLst/>
-              </a:prstGeom>
+              <a:prstDash val="solid"/>
+            </a:ln>
+            <a:effectLst/>
+          </p:spPr>
+        </p:cxnSp>
+        <p:cxnSp>
+          <p:nvCxnSpPr>
+            <p:cNvPr id="53" name="Straight Connector 52">
+              <a:extLst>
+                <a:ext uri="{FF2B5EF4-FFF2-40B4-BE49-F238E27FC236}">
+                  <a16:creationId xmlns:a16="http://schemas.microsoft.com/office/drawing/2014/main" id="{0D67F26B-886A-4CA9-8818-AB112C8BC4BE}"/>
+                </a:ext>
+              </a:extLst>
+            </p:cNvPr>
+            <p:cNvCxnSpPr>
+              <a:cxnSpLocks/>
+            </p:cNvCxnSpPr>
+            <p:nvPr/>
+          </p:nvCxnSpPr>
+          <p:spPr>
+            <a:xfrm flipH="1" flipV="1">
+              <a:off x="4650346" y="3189423"/>
+              <a:ext cx="783590" cy="267001"/>
+            </a:xfrm>
+            <a:prstGeom prst="line">
+              <a:avLst/>
+            </a:prstGeom>
+            <a:noFill/>
+            <a:ln w="12700" cap="sq" cmpd="sng" algn="ctr">
               <a:solidFill>
                 <a:srgbClr val="FFED00"/>
               </a:solidFill>
-              <a:ln w="12700" cap="sq" cmpd="sng" algn="ctr">
-                <a:solidFill>
-                  <a:srgbClr val="FFED00"/>
-                </a:solidFill>
-                <a:prstDash val="solid"/>
-              </a:ln>
-              <a:effectLst/>
-            </p:spPr>
-          </p:cxnSp>
-          <p:cxnSp>
-            <p:nvCxnSpPr>
-              <p:cNvPr id="52" name="Straight Connector 51">
-                <a:extLst>
-                  <a:ext uri="{FF2B5EF4-FFF2-40B4-BE49-F238E27FC236}">
-                    <a16:creationId xmlns:a16="http://schemas.microsoft.com/office/drawing/2014/main" id="{FD828D1B-1166-45A3-9651-8B72E51A2CFB}"/>
-                  </a:ext>
-                </a:extLst>
-              </p:cNvPr>
-              <p:cNvCxnSpPr>
-                <a:cxnSpLocks/>
-              </p:cNvCxnSpPr>
-              <p:nvPr/>
-            </p:nvCxnSpPr>
-            <p:spPr>
-              <a:xfrm flipH="1" flipV="1">
-                <a:off x="4186689" y="2502476"/>
-                <a:ext cx="504958" cy="694162"/>
-              </a:xfrm>
-              <a:prstGeom prst="line">
-                <a:avLst/>
-              </a:prstGeom>
+              <a:prstDash val="solid"/>
+            </a:ln>
+            <a:effectLst/>
+          </p:spPr>
+        </p:cxnSp>
+        <p:sp>
+          <p:nvSpPr>
+            <p:cNvPr id="54" name="Oval 53">
+              <a:extLst>
+                <a:ext uri="{FF2B5EF4-FFF2-40B4-BE49-F238E27FC236}">
+                  <a16:creationId xmlns:a16="http://schemas.microsoft.com/office/drawing/2014/main" id="{6DBF422D-B23E-44C7-93B5-A455A5020DC5}"/>
+                </a:ext>
+              </a:extLst>
+            </p:cNvPr>
+            <p:cNvSpPr/>
+            <p:nvPr/>
+          </p:nvSpPr>
+          <p:spPr>
+            <a:xfrm rot="2248319">
+              <a:off x="2548891" y="2540775"/>
+              <a:ext cx="832731" cy="832731"/>
+            </a:xfrm>
+            <a:prstGeom prst="ellipse">
+              <a:avLst/>
+            </a:prstGeom>
+            <a:solidFill>
+              <a:srgbClr val="000000"/>
+            </a:solidFill>
+            <a:ln>
               <a:noFill/>
-              <a:ln w="12700" cap="sq" cmpd="sng" algn="ctr">
-                <a:solidFill>
-                  <a:srgbClr val="FFED00"/>
-                </a:solidFill>
-                <a:prstDash val="solid"/>
-              </a:ln>
-              <a:effectLst/>
-            </p:spPr>
-          </p:cxnSp>
-          <p:cxnSp>
-            <p:nvCxnSpPr>
-              <p:cNvPr id="53" name="Straight Connector 52">
-                <a:extLst>
-                  <a:ext uri="{FF2B5EF4-FFF2-40B4-BE49-F238E27FC236}">
-                    <a16:creationId xmlns:a16="http://schemas.microsoft.com/office/drawing/2014/main" id="{0D67F26B-886A-4CA9-8818-AB112C8BC4BE}"/>
-                  </a:ext>
-                </a:extLst>
-              </p:cNvPr>
-              <p:cNvCxnSpPr>
-                <a:cxnSpLocks/>
-              </p:cNvCxnSpPr>
-              <p:nvPr/>
-            </p:nvCxnSpPr>
-            <p:spPr>
-              <a:xfrm flipH="1" flipV="1">
-                <a:off x="4650346" y="3189423"/>
-                <a:ext cx="783590" cy="267001"/>
-              </a:xfrm>
-              <a:prstGeom prst="line">
-                <a:avLst/>
-              </a:prstGeom>
+            </a:ln>
+            <a:effectLst/>
+          </p:spPr>
+          <p:txBody>
+            <a:bodyPr lIns="0" tIns="0" rIns="0" bIns="0" rtlCol="0" anchor="ctr"/>
+            <a:lstStyle/>
+            <a:p>
+              <a:pPr marL="0" marR="0" lvl="0" indent="0" algn="ctr" defTabSz="914400" eaLnBrk="1" fontAlgn="auto" latinLnBrk="0" hangingPunct="1">
+                <a:lnSpc>
+                  <a:spcPct val="100000"/>
+                </a:lnSpc>
+                <a:spcBef>
+                  <a:spcPts val="0"/>
+                </a:spcBef>
+                <a:spcAft>
+                  <a:spcPts val="0"/>
+                </a:spcAft>
+                <a:buClrTx/>
+                <a:buSzTx/>
+                <a:buFontTx/>
+                <a:buNone/>
+                <a:tabLst/>
+                <a:defRPr/>
+              </a:pPr>
+              <a:endParaRPr kumimoji="0" lang="en-GB" sz="1100" b="1" i="0" u="none" strike="noStrike" kern="0" cap="none" spc="0" normalizeH="0" baseline="0" noProof="0" dirty="0">
+                <a:ln>
+                  <a:noFill/>
+                </a:ln>
+                <a:solidFill>
+                  <a:srgbClr val="FFFFFF"/>
+                </a:solidFill>
+                <a:effectLst/>
+                <a:uLnTx/>
+                <a:uFillTx/>
+              </a:endParaRPr>
+            </a:p>
+          </p:txBody>
+        </p:sp>
+        <p:sp>
+          <p:nvSpPr>
+            <p:cNvPr id="55" name="Oval 54">
+              <a:extLst>
+                <a:ext uri="{FF2B5EF4-FFF2-40B4-BE49-F238E27FC236}">
+                  <a16:creationId xmlns:a16="http://schemas.microsoft.com/office/drawing/2014/main" id="{C7AA5740-DA18-470E-82B4-8B01C4745295}"/>
+                </a:ext>
+              </a:extLst>
+            </p:cNvPr>
+            <p:cNvSpPr/>
+            <p:nvPr/>
+          </p:nvSpPr>
+          <p:spPr>
+            <a:xfrm rot="2248319">
+              <a:off x="1921047" y="3359826"/>
+              <a:ext cx="832731" cy="832731"/>
+            </a:xfrm>
+            <a:prstGeom prst="ellipse">
+              <a:avLst/>
+            </a:prstGeom>
+            <a:solidFill>
+              <a:srgbClr val="000000"/>
+            </a:solidFill>
+            <a:ln>
               <a:noFill/>
-              <a:ln w="12700" cap="sq" cmpd="sng" algn="ctr">
-                <a:solidFill>
-                  <a:srgbClr val="FFED00"/>
-                </a:solidFill>
-                <a:prstDash val="solid"/>
-              </a:ln>
-              <a:effectLst/>
-            </p:spPr>
-          </p:cxnSp>
-          <p:sp>
-            <p:nvSpPr>
-              <p:cNvPr id="54" name="Oval 53">
-                <a:extLst>
-                  <a:ext uri="{FF2B5EF4-FFF2-40B4-BE49-F238E27FC236}">
-                    <a16:creationId xmlns:a16="http://schemas.microsoft.com/office/drawing/2014/main" id="{6DBF422D-B23E-44C7-93B5-A455A5020DC5}"/>
-                  </a:ext>
-                </a:extLst>
-              </p:cNvPr>
-              <p:cNvSpPr/>
-              <p:nvPr/>
-            </p:nvSpPr>
-            <p:spPr>
-              <a:xfrm rot="2248319">
-                <a:off x="2548891" y="2540775"/>
-                <a:ext cx="832731" cy="832731"/>
-              </a:xfrm>
-              <a:prstGeom prst="ellipse">
-                <a:avLst/>
-              </a:prstGeom>
+            </a:ln>
+            <a:effectLst/>
+          </p:spPr>
+          <p:txBody>
+            <a:bodyPr lIns="0" tIns="0" rIns="0" bIns="0" rtlCol="0" anchor="ctr"/>
+            <a:lstStyle/>
+            <a:p>
+              <a:pPr marL="0" marR="0" lvl="0" indent="0" algn="ctr" defTabSz="914400" eaLnBrk="1" fontAlgn="auto" latinLnBrk="0" hangingPunct="1">
+                <a:lnSpc>
+                  <a:spcPct val="100000"/>
+                </a:lnSpc>
+                <a:spcBef>
+                  <a:spcPts val="0"/>
+                </a:spcBef>
+                <a:spcAft>
+                  <a:spcPts val="0"/>
+                </a:spcAft>
+                <a:buClrTx/>
+                <a:buSzTx/>
+                <a:buFontTx/>
+                <a:buNone/>
+                <a:tabLst/>
+                <a:defRPr/>
+              </a:pPr>
+              <a:endParaRPr kumimoji="0" lang="en-GB" sz="1100" b="1" i="0" u="none" strike="noStrike" kern="0" cap="none" spc="0" normalizeH="0" baseline="0" noProof="0" dirty="0">
+                <a:ln>
+                  <a:noFill/>
+                </a:ln>
+                <a:solidFill>
+                  <a:srgbClr val="FFFFFF"/>
+                </a:solidFill>
+                <a:effectLst/>
+                <a:uLnTx/>
+                <a:uFillTx/>
+              </a:endParaRPr>
+            </a:p>
+          </p:txBody>
+        </p:sp>
+        <p:sp>
+          <p:nvSpPr>
+            <p:cNvPr id="56" name="Oval 55">
+              <a:extLst>
+                <a:ext uri="{FF2B5EF4-FFF2-40B4-BE49-F238E27FC236}">
+                  <a16:creationId xmlns:a16="http://schemas.microsoft.com/office/drawing/2014/main" id="{8EFFA4A8-0F94-43C8-AA59-CB9A4FF1606C}"/>
+                </a:ext>
+              </a:extLst>
+            </p:cNvPr>
+            <p:cNvSpPr/>
+            <p:nvPr/>
+          </p:nvSpPr>
+          <p:spPr>
+            <a:xfrm rot="2248319">
+              <a:off x="3517009" y="3282887"/>
+              <a:ext cx="832731" cy="832731"/>
+            </a:xfrm>
+            <a:prstGeom prst="ellipse">
+              <a:avLst/>
+            </a:prstGeom>
+            <a:solidFill>
+              <a:srgbClr val="000000"/>
+            </a:solidFill>
+            <a:ln>
+              <a:noFill/>
+            </a:ln>
+            <a:effectLst/>
+          </p:spPr>
+          <p:txBody>
+            <a:bodyPr lIns="0" tIns="0" rIns="0" bIns="0" rtlCol="0" anchor="ctr"/>
+            <a:lstStyle/>
+            <a:p>
+              <a:pPr marL="0" marR="0" lvl="0" indent="0" algn="ctr" defTabSz="914400" eaLnBrk="1" fontAlgn="auto" latinLnBrk="0" hangingPunct="1">
+                <a:lnSpc>
+                  <a:spcPct val="100000"/>
+                </a:lnSpc>
+                <a:spcBef>
+                  <a:spcPts val="0"/>
+                </a:spcBef>
+                <a:spcAft>
+                  <a:spcPts val="0"/>
+                </a:spcAft>
+                <a:buClrTx/>
+                <a:buSzTx/>
+                <a:buFontTx/>
+                <a:buNone/>
+                <a:tabLst/>
+                <a:defRPr/>
+              </a:pPr>
+              <a:endParaRPr kumimoji="0" lang="en-GB" sz="1100" b="1" i="0" u="none" strike="noStrike" kern="0" cap="none" spc="0" normalizeH="0" baseline="0" noProof="0" dirty="0">
+                <a:ln>
+                  <a:noFill/>
+                </a:ln>
+                <a:solidFill>
+                  <a:srgbClr val="FFFFFF"/>
+                </a:solidFill>
+                <a:effectLst/>
+                <a:uLnTx/>
+                <a:uFillTx/>
+              </a:endParaRPr>
+            </a:p>
+          </p:txBody>
+        </p:sp>
+        <p:sp>
+          <p:nvSpPr>
+            <p:cNvPr id="57" name="Oval 56">
+              <a:extLst>
+                <a:ext uri="{FF2B5EF4-FFF2-40B4-BE49-F238E27FC236}">
+                  <a16:creationId xmlns:a16="http://schemas.microsoft.com/office/drawing/2014/main" id="{8669BBCB-D39C-405C-802A-A8ADFF20871C}"/>
+                </a:ext>
+              </a:extLst>
+            </p:cNvPr>
+            <p:cNvSpPr/>
+            <p:nvPr/>
+          </p:nvSpPr>
+          <p:spPr>
+            <a:xfrm rot="2248319">
+              <a:off x="5017571" y="3051970"/>
+              <a:ext cx="832731" cy="832731"/>
+            </a:xfrm>
+            <a:prstGeom prst="ellipse">
+              <a:avLst/>
+            </a:prstGeom>
+            <a:solidFill>
+              <a:sysClr val="windowText" lastClr="000000"/>
+            </a:solidFill>
+            <a:ln w="28575">
+              <a:noFill/>
+            </a:ln>
+            <a:effectLst/>
+          </p:spPr>
+          <p:txBody>
+            <a:bodyPr lIns="0" tIns="0" rIns="0" bIns="0" rtlCol="0" anchor="ctr"/>
+            <a:lstStyle/>
+            <a:p>
+              <a:pPr marL="0" marR="0" lvl="0" indent="0" algn="ctr" defTabSz="914400" eaLnBrk="1" fontAlgn="auto" latinLnBrk="0" hangingPunct="1">
+                <a:lnSpc>
+                  <a:spcPct val="100000"/>
+                </a:lnSpc>
+                <a:spcBef>
+                  <a:spcPts val="0"/>
+                </a:spcBef>
+                <a:spcAft>
+                  <a:spcPts val="0"/>
+                </a:spcAft>
+                <a:buClrTx/>
+                <a:buSzTx/>
+                <a:buFontTx/>
+                <a:buNone/>
+                <a:tabLst/>
+                <a:defRPr/>
+              </a:pPr>
+              <a:endParaRPr kumimoji="0" lang="en-GB" sz="1100" b="1" i="0" u="none" strike="noStrike" kern="0" cap="none" spc="0" normalizeH="0" baseline="0" noProof="0" dirty="0">
+                <a:ln>
+                  <a:noFill/>
+                </a:ln>
+                <a:solidFill>
+                  <a:srgbClr val="000000"/>
+                </a:solidFill>
+                <a:effectLst/>
+                <a:uLnTx/>
+                <a:uFillTx/>
+              </a:endParaRPr>
+            </a:p>
+          </p:txBody>
+        </p:sp>
+        <p:cxnSp>
+          <p:nvCxnSpPr>
+            <p:cNvPr id="58" name="Straight Connector 57">
+              <a:extLst>
+                <a:ext uri="{FF2B5EF4-FFF2-40B4-BE49-F238E27FC236}">
+                  <a16:creationId xmlns:a16="http://schemas.microsoft.com/office/drawing/2014/main" id="{DDCEF7A9-426F-43F2-8E7D-6D60FE64CBEB}"/>
+                </a:ext>
+              </a:extLst>
+            </p:cNvPr>
+            <p:cNvCxnSpPr>
+              <a:cxnSpLocks/>
+            </p:cNvCxnSpPr>
+            <p:nvPr/>
+          </p:nvCxnSpPr>
+          <p:spPr>
+            <a:xfrm rot="2248319">
+              <a:off x="3815385" y="2545326"/>
+              <a:ext cx="528599" cy="1166483"/>
+            </a:xfrm>
+            <a:prstGeom prst="line">
+              <a:avLst/>
+            </a:prstGeom>
+            <a:noFill/>
+            <a:ln w="28575" cap="sq" cmpd="sng" algn="ctr">
               <a:solidFill>
                 <a:srgbClr val="000000"/>
               </a:solidFill>
-              <a:ln>
-                <a:noFill/>
-              </a:ln>
-              <a:effectLst/>
-            </p:spPr>
-            <p:txBody>
-              <a:bodyPr lIns="0" tIns="0" rIns="0" bIns="0" rtlCol="0" anchor="ctr"/>
-              <a:lstStyle/>
-              <a:p>
-                <a:pPr marL="0" marR="0" lvl="0" indent="0" algn="ctr" defTabSz="914400" eaLnBrk="1" fontAlgn="auto" latinLnBrk="0" hangingPunct="1">
-                  <a:lnSpc>
-                    <a:spcPct val="100000"/>
-                  </a:lnSpc>
-                  <a:spcBef>
-                    <a:spcPts val="0"/>
-                  </a:spcBef>
-                  <a:spcAft>
-                    <a:spcPts val="0"/>
-                  </a:spcAft>
-                  <a:buClrTx/>
-                  <a:buSzTx/>
-                  <a:buFontTx/>
-                  <a:buNone/>
-                  <a:tabLst/>
-                  <a:defRPr/>
-                </a:pPr>
-                <a:endParaRPr kumimoji="0" lang="en-GB" sz="1100" b="1" i="0" u="none" strike="noStrike" kern="0" cap="none" spc="0" normalizeH="0" baseline="0" noProof="0" dirty="0">
-                  <a:ln>
-                    <a:noFill/>
-                  </a:ln>
-                  <a:solidFill>
-                    <a:srgbClr val="FFFFFF"/>
-                  </a:solidFill>
-                  <a:effectLst/>
-                  <a:uLnTx/>
-                  <a:uFillTx/>
-                </a:endParaRPr>
-              </a:p>
-            </p:txBody>
-          </p:sp>
-          <p:sp>
-            <p:nvSpPr>
-              <p:cNvPr id="55" name="Oval 54">
-                <a:extLst>
-                  <a:ext uri="{FF2B5EF4-FFF2-40B4-BE49-F238E27FC236}">
-                    <a16:creationId xmlns:a16="http://schemas.microsoft.com/office/drawing/2014/main" id="{C7AA5740-DA18-470E-82B4-8B01C4745295}"/>
-                  </a:ext>
-                </a:extLst>
-              </p:cNvPr>
-              <p:cNvSpPr/>
-              <p:nvPr/>
-            </p:nvSpPr>
-            <p:spPr>
-              <a:xfrm rot="2248319">
-                <a:off x="1921047" y="3359826"/>
-                <a:ext cx="832731" cy="832731"/>
-              </a:xfrm>
-              <a:prstGeom prst="ellipse">
-                <a:avLst/>
-              </a:prstGeom>
+              <a:prstDash val="solid"/>
+            </a:ln>
+            <a:effectLst/>
+          </p:spPr>
+        </p:cxnSp>
+        <p:sp>
+          <p:nvSpPr>
+            <p:cNvPr id="59" name="Oval 58">
+              <a:extLst>
+                <a:ext uri="{FF2B5EF4-FFF2-40B4-BE49-F238E27FC236}">
+                  <a16:creationId xmlns:a16="http://schemas.microsoft.com/office/drawing/2014/main" id="{E423656B-9132-4A74-9CC4-0D2EB965F881}"/>
+                </a:ext>
+              </a:extLst>
+            </p:cNvPr>
+            <p:cNvSpPr/>
+            <p:nvPr/>
+          </p:nvSpPr>
+          <p:spPr>
+            <a:xfrm rot="2248319">
+              <a:off x="3809930" y="2126252"/>
+              <a:ext cx="832731" cy="832731"/>
+            </a:xfrm>
+            <a:prstGeom prst="ellipse">
+              <a:avLst/>
+            </a:prstGeom>
+            <a:solidFill>
+              <a:sysClr val="windowText" lastClr="000000"/>
+            </a:solidFill>
+            <a:ln w="28575">
+              <a:noFill/>
+            </a:ln>
+            <a:effectLst/>
+          </p:spPr>
+          <p:txBody>
+            <a:bodyPr lIns="0" tIns="0" rIns="0" bIns="0" rtlCol="0" anchor="ctr"/>
+            <a:lstStyle/>
+            <a:p>
+              <a:pPr marL="0" marR="0" lvl="0" indent="0" algn="ctr" defTabSz="914400" eaLnBrk="1" fontAlgn="auto" latinLnBrk="0" hangingPunct="1">
+                <a:lnSpc>
+                  <a:spcPct val="100000"/>
+                </a:lnSpc>
+                <a:spcBef>
+                  <a:spcPts val="0"/>
+                </a:spcBef>
+                <a:spcAft>
+                  <a:spcPts val="0"/>
+                </a:spcAft>
+                <a:buClrTx/>
+                <a:buSzTx/>
+                <a:buFontTx/>
+                <a:buNone/>
+                <a:tabLst/>
+                <a:defRPr/>
+              </a:pPr>
+              <a:endParaRPr kumimoji="0" lang="en-GB" sz="1100" b="1" i="0" u="none" strike="noStrike" kern="0" cap="none" spc="0" normalizeH="0" baseline="0" noProof="0" dirty="0">
+                <a:ln>
+                  <a:noFill/>
+                </a:ln>
+                <a:solidFill>
+                  <a:srgbClr val="000000"/>
+                </a:solidFill>
+                <a:effectLst/>
+                <a:uLnTx/>
+                <a:uFillTx/>
+              </a:endParaRPr>
+            </a:p>
+          </p:txBody>
+        </p:sp>
+        <p:cxnSp>
+          <p:nvCxnSpPr>
+            <p:cNvPr id="60" name="Straight Connector 59">
+              <a:extLst>
+                <a:ext uri="{FF2B5EF4-FFF2-40B4-BE49-F238E27FC236}">
+                  <a16:creationId xmlns:a16="http://schemas.microsoft.com/office/drawing/2014/main" id="{90D95C5F-DE5F-4849-AB44-85A68115FADF}"/>
+                </a:ext>
+              </a:extLst>
+            </p:cNvPr>
+            <p:cNvCxnSpPr>
+              <a:cxnSpLocks/>
+            </p:cNvCxnSpPr>
+            <p:nvPr/>
+          </p:nvCxnSpPr>
+          <p:spPr>
+            <a:xfrm rot="2248319">
+              <a:off x="3184461" y="4855409"/>
+              <a:ext cx="1121681" cy="0"/>
+            </a:xfrm>
+            <a:prstGeom prst="line">
+              <a:avLst/>
+            </a:prstGeom>
+            <a:noFill/>
+            <a:ln w="28575" cap="sq" cmpd="sng" algn="ctr">
               <a:solidFill>
                 <a:srgbClr val="000000"/>
               </a:solidFill>
-              <a:ln>
-                <a:noFill/>
-              </a:ln>
-              <a:effectLst/>
-            </p:spPr>
-            <p:txBody>
-              <a:bodyPr lIns="0" tIns="0" rIns="0" bIns="0" rtlCol="0" anchor="ctr"/>
-              <a:lstStyle/>
-              <a:p>
-                <a:pPr marL="0" marR="0" lvl="0" indent="0" algn="ctr" defTabSz="914400" eaLnBrk="1" fontAlgn="auto" latinLnBrk="0" hangingPunct="1">
-                  <a:lnSpc>
-                    <a:spcPct val="100000"/>
-                  </a:lnSpc>
-                  <a:spcBef>
-                    <a:spcPts val="0"/>
-                  </a:spcBef>
-                  <a:spcAft>
-                    <a:spcPts val="0"/>
-                  </a:spcAft>
-                  <a:buClrTx/>
-                  <a:buSzTx/>
-                  <a:buFontTx/>
-                  <a:buNone/>
-                  <a:tabLst/>
-                  <a:defRPr/>
-                </a:pPr>
-                <a:endParaRPr kumimoji="0" lang="en-GB" sz="1100" b="1" i="0" u="none" strike="noStrike" kern="0" cap="none" spc="0" normalizeH="0" baseline="0" noProof="0" dirty="0">
-                  <a:ln>
-                    <a:noFill/>
-                  </a:ln>
-                  <a:solidFill>
-                    <a:srgbClr val="FFFFFF"/>
-                  </a:solidFill>
-                  <a:effectLst/>
-                  <a:uLnTx/>
-                  <a:uFillTx/>
-                </a:endParaRPr>
-              </a:p>
-            </p:txBody>
-          </p:sp>
-          <p:sp>
-            <p:nvSpPr>
-              <p:cNvPr id="56" name="Oval 55">
-                <a:extLst>
-                  <a:ext uri="{FF2B5EF4-FFF2-40B4-BE49-F238E27FC236}">
-                    <a16:creationId xmlns:a16="http://schemas.microsoft.com/office/drawing/2014/main" id="{8EFFA4A8-0F94-43C8-AA59-CB9A4FF1606C}"/>
-                  </a:ext>
-                </a:extLst>
-              </p:cNvPr>
-              <p:cNvSpPr/>
-              <p:nvPr/>
-            </p:nvSpPr>
-            <p:spPr>
-              <a:xfrm rot="2248319">
-                <a:off x="3517009" y="3282887"/>
-                <a:ext cx="832731" cy="832731"/>
-              </a:xfrm>
-              <a:prstGeom prst="ellipse">
-                <a:avLst/>
-              </a:prstGeom>
+              <a:prstDash val="solid"/>
+            </a:ln>
+            <a:effectLst/>
+          </p:spPr>
+        </p:cxnSp>
+        <p:sp>
+          <p:nvSpPr>
+            <p:cNvPr id="61" name="Oval 60">
+              <a:extLst>
+                <a:ext uri="{FF2B5EF4-FFF2-40B4-BE49-F238E27FC236}">
+                  <a16:creationId xmlns:a16="http://schemas.microsoft.com/office/drawing/2014/main" id="{E76C42CB-9988-490C-96FE-C963972D1BFB}"/>
+                </a:ext>
+              </a:extLst>
+            </p:cNvPr>
+            <p:cNvSpPr/>
+            <p:nvPr/>
+          </p:nvSpPr>
+          <p:spPr>
+            <a:xfrm rot="2248319">
+              <a:off x="3766410" y="4774390"/>
+              <a:ext cx="832731" cy="832731"/>
+            </a:xfrm>
+            <a:prstGeom prst="ellipse">
+              <a:avLst/>
+            </a:prstGeom>
+            <a:solidFill>
+              <a:sysClr val="windowText" lastClr="000000"/>
+            </a:solidFill>
+            <a:ln w="28575">
+              <a:noFill/>
+            </a:ln>
+            <a:effectLst/>
+          </p:spPr>
+          <p:txBody>
+            <a:bodyPr lIns="0" tIns="0" rIns="0" bIns="0" rtlCol="0" anchor="ctr"/>
+            <a:lstStyle/>
+            <a:p>
+              <a:pPr marL="0" marR="0" lvl="0" indent="0" algn="ctr" defTabSz="914400" eaLnBrk="1" fontAlgn="auto" latinLnBrk="0" hangingPunct="1">
+                <a:lnSpc>
+                  <a:spcPct val="100000"/>
+                </a:lnSpc>
+                <a:spcBef>
+                  <a:spcPts val="0"/>
+                </a:spcBef>
+                <a:spcAft>
+                  <a:spcPts val="0"/>
+                </a:spcAft>
+                <a:buClrTx/>
+                <a:buSzTx/>
+                <a:buFontTx/>
+                <a:buNone/>
+                <a:tabLst/>
+                <a:defRPr/>
+              </a:pPr>
+              <a:endParaRPr kumimoji="0" lang="en-GB" sz="1100" b="1" i="0" u="none" strike="noStrike" kern="0" cap="none" spc="0" normalizeH="0" baseline="0" noProof="0" dirty="0">
+                <a:ln>
+                  <a:noFill/>
+                </a:ln>
+                <a:solidFill>
+                  <a:srgbClr val="000000"/>
+                </a:solidFill>
+                <a:effectLst/>
+                <a:uLnTx/>
+                <a:uFillTx/>
+              </a:endParaRPr>
+            </a:p>
+          </p:txBody>
+        </p:sp>
+        <p:cxnSp>
+          <p:nvCxnSpPr>
+            <p:cNvPr id="62" name="Straight Connector 61">
+              <a:extLst>
+                <a:ext uri="{FF2B5EF4-FFF2-40B4-BE49-F238E27FC236}">
+                  <a16:creationId xmlns:a16="http://schemas.microsoft.com/office/drawing/2014/main" id="{C5C8DEDC-1D8F-4F01-95C6-65160519B71B}"/>
+                </a:ext>
+              </a:extLst>
+            </p:cNvPr>
+            <p:cNvCxnSpPr>
+              <a:cxnSpLocks/>
+            </p:cNvCxnSpPr>
+            <p:nvPr/>
+          </p:nvCxnSpPr>
+          <p:spPr>
+            <a:xfrm rot="2248319" flipH="1">
+              <a:off x="4188701" y="3073759"/>
+              <a:ext cx="1017209" cy="1039076"/>
+            </a:xfrm>
+            <a:prstGeom prst="line">
+              <a:avLst/>
+            </a:prstGeom>
+            <a:noFill/>
+            <a:ln w="28575" cap="sq" cmpd="sng" algn="ctr">
               <a:solidFill>
                 <a:srgbClr val="000000"/>
               </a:solidFill>
-              <a:ln>
-                <a:noFill/>
-              </a:ln>
-              <a:effectLst/>
-            </p:spPr>
-            <p:txBody>
-              <a:bodyPr lIns="0" tIns="0" rIns="0" bIns="0" rtlCol="0" anchor="ctr"/>
-              <a:lstStyle/>
-              <a:p>
-                <a:pPr marL="0" marR="0" lvl="0" indent="0" algn="ctr" defTabSz="914400" eaLnBrk="1" fontAlgn="auto" latinLnBrk="0" hangingPunct="1">
-                  <a:lnSpc>
-                    <a:spcPct val="100000"/>
-                  </a:lnSpc>
-                  <a:spcBef>
-                    <a:spcPts val="0"/>
-                  </a:spcBef>
-                  <a:spcAft>
-                    <a:spcPts val="0"/>
-                  </a:spcAft>
-                  <a:buClrTx/>
-                  <a:buSzTx/>
-                  <a:buFontTx/>
-                  <a:buNone/>
-                  <a:tabLst/>
-                  <a:defRPr/>
-                </a:pPr>
-                <a:endParaRPr kumimoji="0" lang="en-GB" sz="1100" b="1" i="0" u="none" strike="noStrike" kern="0" cap="none" spc="0" normalizeH="0" baseline="0" noProof="0" dirty="0">
-                  <a:ln>
-                    <a:noFill/>
-                  </a:ln>
-                  <a:solidFill>
-                    <a:srgbClr val="FFFFFF"/>
-                  </a:solidFill>
-                  <a:effectLst/>
-                  <a:uLnTx/>
-                  <a:uFillTx/>
-                </a:endParaRPr>
-              </a:p>
-            </p:txBody>
-          </p:sp>
-          <p:sp>
-            <p:nvSpPr>
-              <p:cNvPr id="57" name="Oval 56">
-                <a:extLst>
-                  <a:ext uri="{FF2B5EF4-FFF2-40B4-BE49-F238E27FC236}">
-                    <a16:creationId xmlns:a16="http://schemas.microsoft.com/office/drawing/2014/main" id="{8669BBCB-D39C-405C-802A-A8ADFF20871C}"/>
-                  </a:ext>
-                </a:extLst>
-              </p:cNvPr>
-              <p:cNvSpPr/>
-              <p:nvPr/>
-            </p:nvSpPr>
-            <p:spPr>
-              <a:xfrm rot="2248319">
-                <a:off x="5017571" y="3051970"/>
-                <a:ext cx="832731" cy="832731"/>
-              </a:xfrm>
-              <a:prstGeom prst="ellipse">
-                <a:avLst/>
-              </a:prstGeom>
-              <a:solidFill>
-                <a:sysClr val="windowText" lastClr="000000"/>
-              </a:solidFill>
-              <a:ln w="28575">
-                <a:noFill/>
-              </a:ln>
-              <a:effectLst/>
-            </p:spPr>
-            <p:txBody>
-              <a:bodyPr lIns="0" tIns="0" rIns="0" bIns="0" rtlCol="0" anchor="ctr"/>
-              <a:lstStyle/>
-              <a:p>
-                <a:pPr marL="0" marR="0" lvl="0" indent="0" algn="ctr" defTabSz="914400" eaLnBrk="1" fontAlgn="auto" latinLnBrk="0" hangingPunct="1">
-                  <a:lnSpc>
-                    <a:spcPct val="100000"/>
-                  </a:lnSpc>
-                  <a:spcBef>
-                    <a:spcPts val="0"/>
-                  </a:spcBef>
-                  <a:spcAft>
-                    <a:spcPts val="0"/>
-                  </a:spcAft>
-                  <a:buClrTx/>
-                  <a:buSzTx/>
-                  <a:buFontTx/>
-                  <a:buNone/>
-                  <a:tabLst/>
-                  <a:defRPr/>
-                </a:pPr>
-                <a:endParaRPr kumimoji="0" lang="en-GB" sz="1100" b="1" i="0" u="none" strike="noStrike" kern="0" cap="none" spc="0" normalizeH="0" baseline="0" noProof="0" dirty="0">
-                  <a:ln>
-                    <a:noFill/>
-                  </a:ln>
-                  <a:solidFill>
-                    <a:srgbClr val="000000"/>
-                  </a:solidFill>
-                  <a:effectLst/>
-                  <a:uLnTx/>
-                  <a:uFillTx/>
-                </a:endParaRPr>
-              </a:p>
-            </p:txBody>
-          </p:sp>
-          <p:cxnSp>
-            <p:nvCxnSpPr>
-              <p:cNvPr id="58" name="Straight Connector 57">
-                <a:extLst>
-                  <a:ext uri="{FF2B5EF4-FFF2-40B4-BE49-F238E27FC236}">
-                    <a16:creationId xmlns:a16="http://schemas.microsoft.com/office/drawing/2014/main" id="{DDCEF7A9-426F-43F2-8E7D-6D60FE64CBEB}"/>
-                  </a:ext>
-                </a:extLst>
-              </p:cNvPr>
-              <p:cNvCxnSpPr>
-                <a:cxnSpLocks/>
-              </p:cNvCxnSpPr>
-              <p:nvPr/>
-            </p:nvCxnSpPr>
-            <p:spPr>
-              <a:xfrm rot="2248319">
-                <a:off x="3815385" y="2545326"/>
-                <a:ext cx="528599" cy="1166483"/>
-              </a:xfrm>
-              <a:prstGeom prst="line">
-                <a:avLst/>
-              </a:prstGeom>
-              <a:noFill/>
-              <a:ln w="28575" cap="sq" cmpd="sng" algn="ctr">
-                <a:solidFill>
-                  <a:srgbClr val="000000"/>
-                </a:solidFill>
-                <a:prstDash val="solid"/>
-              </a:ln>
-              <a:effectLst/>
-            </p:spPr>
-          </p:cxnSp>
-          <p:sp>
-            <p:nvSpPr>
-              <p:cNvPr id="59" name="Oval 58">
-                <a:extLst>
-                  <a:ext uri="{FF2B5EF4-FFF2-40B4-BE49-F238E27FC236}">
-                    <a16:creationId xmlns:a16="http://schemas.microsoft.com/office/drawing/2014/main" id="{E423656B-9132-4A74-9CC4-0D2EB965F881}"/>
-                  </a:ext>
-                </a:extLst>
-              </p:cNvPr>
-              <p:cNvSpPr/>
-              <p:nvPr/>
-            </p:nvSpPr>
-            <p:spPr>
-              <a:xfrm rot="2248319">
-                <a:off x="3809930" y="2126252"/>
-                <a:ext cx="832731" cy="832731"/>
-              </a:xfrm>
-              <a:prstGeom prst="ellipse">
-                <a:avLst/>
-              </a:prstGeom>
-              <a:solidFill>
-                <a:sysClr val="windowText" lastClr="000000"/>
-              </a:solidFill>
-              <a:ln w="28575">
-                <a:noFill/>
-              </a:ln>
-              <a:effectLst/>
-            </p:spPr>
-            <p:txBody>
-              <a:bodyPr lIns="0" tIns="0" rIns="0" bIns="0" rtlCol="0" anchor="ctr"/>
-              <a:lstStyle/>
-              <a:p>
-                <a:pPr marL="0" marR="0" lvl="0" indent="0" algn="ctr" defTabSz="914400" eaLnBrk="1" fontAlgn="auto" latinLnBrk="0" hangingPunct="1">
-                  <a:lnSpc>
-                    <a:spcPct val="100000"/>
-                  </a:lnSpc>
-                  <a:spcBef>
-                    <a:spcPts val="0"/>
-                  </a:spcBef>
-                  <a:spcAft>
-                    <a:spcPts val="0"/>
-                  </a:spcAft>
-                  <a:buClrTx/>
-                  <a:buSzTx/>
-                  <a:buFontTx/>
-                  <a:buNone/>
-                  <a:tabLst/>
-                  <a:defRPr/>
-                </a:pPr>
-                <a:endParaRPr kumimoji="0" lang="en-GB" sz="1100" b="1" i="0" u="none" strike="noStrike" kern="0" cap="none" spc="0" normalizeH="0" baseline="0" noProof="0" dirty="0">
-                  <a:ln>
-                    <a:noFill/>
-                  </a:ln>
-                  <a:solidFill>
-                    <a:srgbClr val="000000"/>
-                  </a:solidFill>
-                  <a:effectLst/>
-                  <a:uLnTx/>
-                  <a:uFillTx/>
-                </a:endParaRPr>
-              </a:p>
-            </p:txBody>
-          </p:sp>
-          <p:cxnSp>
-            <p:nvCxnSpPr>
-              <p:cNvPr id="60" name="Straight Connector 59">
-                <a:extLst>
-                  <a:ext uri="{FF2B5EF4-FFF2-40B4-BE49-F238E27FC236}">
-                    <a16:creationId xmlns:a16="http://schemas.microsoft.com/office/drawing/2014/main" id="{90D95C5F-DE5F-4849-AB44-85A68115FADF}"/>
-                  </a:ext>
-                </a:extLst>
-              </p:cNvPr>
-              <p:cNvCxnSpPr>
-                <a:cxnSpLocks/>
-              </p:cNvCxnSpPr>
-              <p:nvPr/>
-            </p:nvCxnSpPr>
-            <p:spPr>
-              <a:xfrm rot="2248319">
-                <a:off x="3184461" y="4855409"/>
-                <a:ext cx="1121681" cy="0"/>
-              </a:xfrm>
-              <a:prstGeom prst="line">
-                <a:avLst/>
-              </a:prstGeom>
-              <a:noFill/>
-              <a:ln w="28575" cap="sq" cmpd="sng" algn="ctr">
-                <a:solidFill>
-                  <a:srgbClr val="000000"/>
-                </a:solidFill>
-                <a:prstDash val="solid"/>
-              </a:ln>
-              <a:effectLst/>
-            </p:spPr>
-          </p:cxnSp>
-          <p:sp>
-            <p:nvSpPr>
-              <p:cNvPr id="61" name="Oval 60">
-                <a:extLst>
-                  <a:ext uri="{FF2B5EF4-FFF2-40B4-BE49-F238E27FC236}">
-                    <a16:creationId xmlns:a16="http://schemas.microsoft.com/office/drawing/2014/main" id="{E76C42CB-9988-490C-96FE-C963972D1BFB}"/>
-                  </a:ext>
-                </a:extLst>
-              </p:cNvPr>
-              <p:cNvSpPr/>
-              <p:nvPr/>
-            </p:nvSpPr>
-            <p:spPr>
-              <a:xfrm rot="2248319">
-                <a:off x="3766410" y="4774390"/>
-                <a:ext cx="832731" cy="832731"/>
-              </a:xfrm>
-              <a:prstGeom prst="ellipse">
-                <a:avLst/>
-              </a:prstGeom>
-              <a:solidFill>
-                <a:sysClr val="windowText" lastClr="000000"/>
-              </a:solidFill>
-              <a:ln w="28575">
-                <a:noFill/>
-              </a:ln>
-              <a:effectLst/>
-            </p:spPr>
-            <p:txBody>
-              <a:bodyPr lIns="0" tIns="0" rIns="0" bIns="0" rtlCol="0" anchor="ctr"/>
-              <a:lstStyle/>
-              <a:p>
-                <a:pPr marL="0" marR="0" lvl="0" indent="0" algn="ctr" defTabSz="914400" eaLnBrk="1" fontAlgn="auto" latinLnBrk="0" hangingPunct="1">
-                  <a:lnSpc>
-                    <a:spcPct val="100000"/>
-                  </a:lnSpc>
-                  <a:spcBef>
-                    <a:spcPts val="0"/>
-                  </a:spcBef>
-                  <a:spcAft>
-                    <a:spcPts val="0"/>
-                  </a:spcAft>
-                  <a:buClrTx/>
-                  <a:buSzTx/>
-                  <a:buFontTx/>
-                  <a:buNone/>
-                  <a:tabLst/>
-                  <a:defRPr/>
-                </a:pPr>
-                <a:endParaRPr kumimoji="0" lang="en-GB" sz="1100" b="1" i="0" u="none" strike="noStrike" kern="0" cap="none" spc="0" normalizeH="0" baseline="0" noProof="0" dirty="0">
-                  <a:ln>
-                    <a:noFill/>
-                  </a:ln>
-                  <a:solidFill>
-                    <a:srgbClr val="000000"/>
-                  </a:solidFill>
-                  <a:effectLst/>
-                  <a:uLnTx/>
-                  <a:uFillTx/>
-                </a:endParaRPr>
-              </a:p>
-            </p:txBody>
-          </p:sp>
-          <p:cxnSp>
-            <p:nvCxnSpPr>
-              <p:cNvPr id="62" name="Straight Connector 61">
-                <a:extLst>
-                  <a:ext uri="{FF2B5EF4-FFF2-40B4-BE49-F238E27FC236}">
-                    <a16:creationId xmlns:a16="http://schemas.microsoft.com/office/drawing/2014/main" id="{C5C8DEDC-1D8F-4F01-95C6-65160519B71B}"/>
-                  </a:ext>
-                </a:extLst>
-              </p:cNvPr>
-              <p:cNvCxnSpPr>
-                <a:cxnSpLocks/>
-              </p:cNvCxnSpPr>
-              <p:nvPr/>
-            </p:nvCxnSpPr>
-            <p:spPr>
-              <a:xfrm rot="2248319" flipH="1">
-                <a:off x="4188701" y="3073759"/>
-                <a:ext cx="1017209" cy="1039076"/>
-              </a:xfrm>
-              <a:prstGeom prst="line">
-                <a:avLst/>
-              </a:prstGeom>
-              <a:noFill/>
-              <a:ln w="28575" cap="sq" cmpd="sng" algn="ctr">
-                <a:solidFill>
-                  <a:srgbClr val="000000"/>
-                </a:solidFill>
-                <a:prstDash val="solid"/>
-              </a:ln>
-              <a:effectLst/>
-            </p:spPr>
-          </p:cxnSp>
-          <p:cxnSp>
-            <p:nvCxnSpPr>
-              <p:cNvPr id="63" name="Straight Connector 62">
-                <a:extLst>
-                  <a:ext uri="{FF2B5EF4-FFF2-40B4-BE49-F238E27FC236}">
-                    <a16:creationId xmlns:a16="http://schemas.microsoft.com/office/drawing/2014/main" id="{7BBDB762-4C16-4730-9C3E-0BC07D4DAC76}"/>
-                  </a:ext>
-                </a:extLst>
-              </p:cNvPr>
-              <p:cNvCxnSpPr>
-                <a:cxnSpLocks/>
-              </p:cNvCxnSpPr>
-              <p:nvPr/>
-            </p:nvCxnSpPr>
-            <p:spPr>
-              <a:xfrm rot="2248319">
-                <a:off x="4655080" y="3564669"/>
-                <a:ext cx="34841" cy="1793987"/>
-              </a:xfrm>
-              <a:prstGeom prst="line">
-                <a:avLst/>
-              </a:prstGeom>
-              <a:noFill/>
-              <a:ln w="28575" cap="sq" cmpd="sng" algn="ctr">
-                <a:solidFill>
-                  <a:srgbClr val="000000"/>
-                </a:solidFill>
-                <a:prstDash val="solid"/>
-              </a:ln>
-              <a:effectLst/>
-            </p:spPr>
-          </p:cxnSp>
-        </p:grpSp>
-        <p:sp>
-          <p:nvSpPr>
-            <p:cNvPr id="64" name="TextBox 63">
+              <a:prstDash val="solid"/>
+            </a:ln>
+            <a:effectLst/>
+          </p:spPr>
+        </p:cxnSp>
+        <p:cxnSp>
+          <p:nvCxnSpPr>
+            <p:cNvPr id="63" name="Straight Connector 62">
               <a:extLst>
                 <a:ext uri="{FF2B5EF4-FFF2-40B4-BE49-F238E27FC236}">
-                  <a16:creationId xmlns:a16="http://schemas.microsoft.com/office/drawing/2014/main" id="{0CF00B71-8843-4CC8-AC45-B7D7D2DD768B}"/>
+                  <a16:creationId xmlns:a16="http://schemas.microsoft.com/office/drawing/2014/main" id="{7BBDB762-4C16-4730-9C3E-0BC07D4DAC76}"/>
                 </a:ext>
               </a:extLst>
             </p:cNvPr>
-            <p:cNvSpPr txBox="1"/>
+            <p:cNvCxnSpPr>
+              <a:cxnSpLocks/>
+            </p:cNvCxnSpPr>
             <p:nvPr/>
-          </p:nvSpPr>
-          <p:spPr>
-            <a:xfrm>
-              <a:off x="2116291" y="2108620"/>
-              <a:ext cx="3701654" cy="523220"/>
-            </a:xfrm>
-            <a:prstGeom prst="rect">
+          </p:nvCxnSpPr>
+          <p:spPr>
+            <a:xfrm rot="2248319">
+              <a:off x="4655080" y="3564669"/>
+              <a:ext cx="34841" cy="1793987"/>
+            </a:xfrm>
+            <a:prstGeom prst="line">
               <a:avLst/>
             </a:prstGeom>
             <a:noFill/>
-          </p:spPr>
-          <p:txBody>
-            <a:bodyPr wrap="none" rtlCol="0">
-              <a:spAutoFit/>
-            </a:bodyPr>
-            <a:lstStyle/>
-            <a:p>
-              <a:pPr defTabSz="914400"/>
-              <a:r>
-                <a:rPr lang="en-GB" sz="2800" dirty="0">
-                  <a:solidFill>
-                    <a:prstClr val="black"/>
-                  </a:solidFill>
-                  <a:latin typeface="GT Walsheim Pro Bold" panose="00000800000000000000" pitchFamily="50" charset="0"/>
-                </a:rPr>
-                <a:t>DXC Digital Explorer</a:t>
-              </a:r>
-            </a:p>
-          </p:txBody>
-        </p:sp>
+            <a:ln w="28575" cap="sq" cmpd="sng" algn="ctr">
+              <a:solidFill>
+                <a:srgbClr val="000000"/>
+              </a:solidFill>
+              <a:prstDash val="solid"/>
+            </a:ln>
+            <a:effectLst/>
+          </p:spPr>
+        </p:cxnSp>
       </p:grpSp>
+      <p:sp>
+        <p:nvSpPr>
+          <p:cNvPr id="64" name="TextBox 63">
+            <a:extLst>
+              <a:ext uri="{FF2B5EF4-FFF2-40B4-BE49-F238E27FC236}">
+                <a16:creationId xmlns:a16="http://schemas.microsoft.com/office/drawing/2014/main" id="{0CF00B71-8843-4CC8-AC45-B7D7D2DD768B}"/>
+              </a:ext>
+            </a:extLst>
+          </p:cNvPr>
+          <p:cNvSpPr txBox="1"/>
+          <p:nvPr/>
+        </p:nvSpPr>
+        <p:spPr>
+          <a:xfrm>
+            <a:off x="2116291" y="2108620"/>
+            <a:ext cx="3701654" cy="523220"/>
+          </a:xfrm>
+          <a:prstGeom prst="rect">
+            <a:avLst/>
+          </a:prstGeom>
+          <a:noFill/>
+        </p:spPr>
+        <p:txBody>
+          <a:bodyPr wrap="none" rtlCol="0">
+            <a:spAutoFit/>
+          </a:bodyPr>
+          <a:lstStyle/>
+          <a:p>
+            <a:pPr defTabSz="914400"/>
+            <a:r>
+              <a:rPr lang="en-GB" sz="2800" dirty="0">
+                <a:solidFill>
+                  <a:prstClr val="black"/>
+                </a:solidFill>
+                <a:latin typeface="GT Walsheim Pro Bold" panose="00000800000000000000" pitchFamily="50" charset="0"/>
+              </a:rPr>
+              <a:t>DXC Digital Explorer</a:t>
+            </a:r>
+          </a:p>
+        </p:txBody>
+      </p:sp>
       <p:grpSp>
         <p:nvGrpSpPr>
           <p:cNvPr id="66" name="Group 65">
@@ -35722,6 +35932,1303 @@
             </a:p>
           </p:txBody>
         </p:sp>
+      </p:grpSp>
+      <p:grpSp>
+        <p:nvGrpSpPr>
+          <p:cNvPr id="97" name="Group 96">
+            <a:extLst>
+              <a:ext uri="{FF2B5EF4-FFF2-40B4-BE49-F238E27FC236}">
+                <a16:creationId xmlns:a16="http://schemas.microsoft.com/office/drawing/2014/main" id="{FFFFFA75-3AAC-4448-B65F-B3BC933D24C1}"/>
+              </a:ext>
+            </a:extLst>
+          </p:cNvPr>
+          <p:cNvGrpSpPr/>
+          <p:nvPr/>
+        </p:nvGrpSpPr>
+        <p:grpSpPr>
+          <a:xfrm>
+            <a:off x="7629721" y="1924729"/>
+            <a:ext cx="1262197" cy="1155700"/>
+            <a:chOff x="1921047" y="2009393"/>
+            <a:chExt cx="3929255" cy="3597728"/>
+          </a:xfrm>
+        </p:grpSpPr>
+        <p:cxnSp>
+          <p:nvCxnSpPr>
+            <p:cNvPr id="98" name="Straight Connector 97">
+              <a:extLst>
+                <a:ext uri="{FF2B5EF4-FFF2-40B4-BE49-F238E27FC236}">
+                  <a16:creationId xmlns:a16="http://schemas.microsoft.com/office/drawing/2014/main" id="{11A8F8A5-BDFE-454B-95E7-64BC51023A2F}"/>
+                </a:ext>
+              </a:extLst>
+            </p:cNvPr>
+            <p:cNvCxnSpPr>
+              <a:cxnSpLocks/>
+            </p:cNvCxnSpPr>
+            <p:nvPr/>
+          </p:nvCxnSpPr>
+          <p:spPr>
+            <a:xfrm rot="2248319">
+              <a:off x="3041815" y="3371315"/>
+              <a:ext cx="1001804" cy="23145"/>
+            </a:xfrm>
+            <a:prstGeom prst="line">
+              <a:avLst/>
+            </a:prstGeom>
+            <a:noFill/>
+            <a:ln w="28575" cap="sq" cmpd="sng" algn="ctr">
+              <a:solidFill>
+                <a:schemeClr val="bg2"/>
+              </a:solidFill>
+              <a:prstDash val="solid"/>
+            </a:ln>
+            <a:effectLst/>
+          </p:spPr>
+        </p:cxnSp>
+        <p:cxnSp>
+          <p:nvCxnSpPr>
+            <p:cNvPr id="99" name="Straight Connector 98">
+              <a:extLst>
+                <a:ext uri="{FF2B5EF4-FFF2-40B4-BE49-F238E27FC236}">
+                  <a16:creationId xmlns:a16="http://schemas.microsoft.com/office/drawing/2014/main" id="{94823015-B69C-4241-8F89-8915D68F2C43}"/>
+                </a:ext>
+              </a:extLst>
+            </p:cNvPr>
+            <p:cNvCxnSpPr>
+              <a:cxnSpLocks/>
+            </p:cNvCxnSpPr>
+            <p:nvPr/>
+          </p:nvCxnSpPr>
+          <p:spPr>
+            <a:xfrm rot="2248319" flipV="1">
+              <a:off x="2398973" y="4215060"/>
+              <a:ext cx="1021929" cy="1"/>
+            </a:xfrm>
+            <a:prstGeom prst="line">
+              <a:avLst/>
+            </a:prstGeom>
+            <a:noFill/>
+            <a:ln w="28575" cap="sq" cmpd="sng" algn="ctr">
+              <a:solidFill>
+                <a:schemeClr val="bg2"/>
+              </a:solidFill>
+              <a:prstDash val="solid"/>
+            </a:ln>
+            <a:effectLst/>
+          </p:spPr>
+        </p:cxnSp>
+        <p:cxnSp>
+          <p:nvCxnSpPr>
+            <p:cNvPr id="100" name="Straight Connector 99">
+              <a:extLst>
+                <a:ext uri="{FF2B5EF4-FFF2-40B4-BE49-F238E27FC236}">
+                  <a16:creationId xmlns:a16="http://schemas.microsoft.com/office/drawing/2014/main" id="{5383E237-FC9D-43D4-9241-09500236DC5E}"/>
+                </a:ext>
+              </a:extLst>
+            </p:cNvPr>
+            <p:cNvCxnSpPr>
+              <a:cxnSpLocks/>
+            </p:cNvCxnSpPr>
+            <p:nvPr/>
+          </p:nvCxnSpPr>
+          <p:spPr>
+            <a:xfrm rot="2248319" flipH="1" flipV="1">
+              <a:off x="3629328" y="3600560"/>
+              <a:ext cx="10894" cy="1019415"/>
+            </a:xfrm>
+            <a:prstGeom prst="line">
+              <a:avLst/>
+            </a:prstGeom>
+            <a:noFill/>
+            <a:ln w="28575" cap="sq" cmpd="sng" algn="ctr">
+              <a:solidFill>
+                <a:schemeClr val="bg2"/>
+              </a:solidFill>
+              <a:prstDash val="solid"/>
+            </a:ln>
+            <a:effectLst/>
+          </p:spPr>
+        </p:cxnSp>
+        <p:cxnSp>
+          <p:nvCxnSpPr>
+            <p:cNvPr id="101" name="Straight Connector 100">
+              <a:extLst>
+                <a:ext uri="{FF2B5EF4-FFF2-40B4-BE49-F238E27FC236}">
+                  <a16:creationId xmlns:a16="http://schemas.microsoft.com/office/drawing/2014/main" id="{B61785D4-23AD-4ABC-B164-2D3F98B2898D}"/>
+                </a:ext>
+              </a:extLst>
+            </p:cNvPr>
+            <p:cNvCxnSpPr>
+              <a:cxnSpLocks/>
+            </p:cNvCxnSpPr>
+            <p:nvPr/>
+          </p:nvCxnSpPr>
+          <p:spPr>
+            <a:xfrm rot="2248319" flipH="1">
+              <a:off x="3197930" y="2233395"/>
+              <a:ext cx="744193" cy="963096"/>
+            </a:xfrm>
+            <a:prstGeom prst="line">
+              <a:avLst/>
+            </a:prstGeom>
+            <a:noFill/>
+            <a:ln w="28575" cap="sq" cmpd="sng" algn="ctr">
+              <a:solidFill>
+                <a:schemeClr val="bg2"/>
+              </a:solidFill>
+              <a:prstDash val="solid"/>
+            </a:ln>
+            <a:effectLst/>
+          </p:spPr>
+        </p:cxnSp>
+        <p:sp>
+          <p:nvSpPr>
+            <p:cNvPr id="102" name="Oval 101">
+              <a:extLst>
+                <a:ext uri="{FF2B5EF4-FFF2-40B4-BE49-F238E27FC236}">
+                  <a16:creationId xmlns:a16="http://schemas.microsoft.com/office/drawing/2014/main" id="{BB9349E7-7C32-427A-8540-4078250EDD96}"/>
+                </a:ext>
+              </a:extLst>
+            </p:cNvPr>
+            <p:cNvSpPr/>
+            <p:nvPr/>
+          </p:nvSpPr>
+          <p:spPr>
+            <a:xfrm rot="2248319">
+              <a:off x="2891462" y="4103698"/>
+              <a:ext cx="832731" cy="832731"/>
+            </a:xfrm>
+            <a:prstGeom prst="ellipse">
+              <a:avLst/>
+            </a:prstGeom>
+            <a:solidFill>
+              <a:schemeClr val="bg1"/>
+            </a:solidFill>
+            <a:ln>
+              <a:noFill/>
+            </a:ln>
+            <a:effectLst/>
+          </p:spPr>
+          <p:txBody>
+            <a:bodyPr lIns="0" tIns="0" rIns="0" bIns="0" rtlCol="0" anchor="ctr"/>
+            <a:lstStyle/>
+            <a:p>
+              <a:pPr marL="0" marR="0" lvl="0" indent="0" algn="ctr" defTabSz="914400" eaLnBrk="1" fontAlgn="auto" latinLnBrk="0" hangingPunct="1">
+                <a:lnSpc>
+                  <a:spcPct val="100000"/>
+                </a:lnSpc>
+                <a:spcBef>
+                  <a:spcPts val="0"/>
+                </a:spcBef>
+                <a:spcAft>
+                  <a:spcPts val="0"/>
+                </a:spcAft>
+                <a:buClrTx/>
+                <a:buSzTx/>
+                <a:buFontTx/>
+                <a:buNone/>
+                <a:tabLst/>
+                <a:defRPr/>
+              </a:pPr>
+              <a:endParaRPr kumimoji="0" lang="en-GB" sz="1100" b="1" i="0" u="none" strike="noStrike" kern="0" cap="none" spc="0" normalizeH="0" baseline="0" noProof="0" dirty="0">
+                <a:ln>
+                  <a:noFill/>
+                </a:ln>
+                <a:solidFill>
+                  <a:srgbClr val="FFFFFF"/>
+                </a:solidFill>
+                <a:effectLst/>
+                <a:uLnTx/>
+                <a:uFillTx/>
+              </a:endParaRPr>
+            </a:p>
+          </p:txBody>
+        </p:sp>
+        <p:sp>
+          <p:nvSpPr>
+            <p:cNvPr id="103" name="Oval 102">
+              <a:extLst>
+                <a:ext uri="{FF2B5EF4-FFF2-40B4-BE49-F238E27FC236}">
+                  <a16:creationId xmlns:a16="http://schemas.microsoft.com/office/drawing/2014/main" id="{92B4935D-A400-4C4C-80D6-B3EA99A85E69}"/>
+                </a:ext>
+              </a:extLst>
+            </p:cNvPr>
+            <p:cNvSpPr/>
+            <p:nvPr/>
+          </p:nvSpPr>
+          <p:spPr>
+            <a:xfrm rot="2248319">
+              <a:off x="4471581" y="2972869"/>
+              <a:ext cx="433106" cy="433106"/>
+            </a:xfrm>
+            <a:prstGeom prst="ellipse">
+              <a:avLst/>
+            </a:prstGeom>
+            <a:solidFill>
+              <a:srgbClr val="FFED00"/>
+            </a:solidFill>
+            <a:ln w="28575">
+              <a:noFill/>
+            </a:ln>
+            <a:effectLst/>
+          </p:spPr>
+          <p:txBody>
+            <a:bodyPr lIns="0" tIns="0" rIns="0" bIns="0" rtlCol="0" anchor="ctr"/>
+            <a:lstStyle/>
+            <a:p>
+              <a:pPr marL="0" marR="0" lvl="0" indent="0" algn="ctr" defTabSz="914400" eaLnBrk="1" fontAlgn="auto" latinLnBrk="0" hangingPunct="1">
+                <a:lnSpc>
+                  <a:spcPct val="100000"/>
+                </a:lnSpc>
+                <a:spcBef>
+                  <a:spcPts val="0"/>
+                </a:spcBef>
+                <a:spcAft>
+                  <a:spcPts val="0"/>
+                </a:spcAft>
+                <a:buClrTx/>
+                <a:buSzTx/>
+                <a:buFontTx/>
+                <a:buNone/>
+                <a:tabLst/>
+                <a:defRPr/>
+              </a:pPr>
+              <a:endParaRPr kumimoji="0" lang="en-GB" sz="1100" b="1" i="0" u="none" strike="noStrike" kern="0" cap="none" spc="0" normalizeH="0" baseline="0" noProof="0" dirty="0">
+                <a:ln>
+                  <a:noFill/>
+                </a:ln>
+                <a:solidFill>
+                  <a:srgbClr val="000000"/>
+                </a:solidFill>
+                <a:effectLst/>
+                <a:uLnTx/>
+                <a:uFillTx/>
+              </a:endParaRPr>
+            </a:p>
+          </p:txBody>
+        </p:sp>
+        <p:sp>
+          <p:nvSpPr>
+            <p:cNvPr id="104" name="Oval 103">
+              <a:extLst>
+                <a:ext uri="{FF2B5EF4-FFF2-40B4-BE49-F238E27FC236}">
+                  <a16:creationId xmlns:a16="http://schemas.microsoft.com/office/drawing/2014/main" id="{D45BFBDA-0E65-4AEE-8138-3CB39A464B34}"/>
+                </a:ext>
+              </a:extLst>
+            </p:cNvPr>
+            <p:cNvSpPr/>
+            <p:nvPr/>
+          </p:nvSpPr>
+          <p:spPr>
+            <a:xfrm rot="2248319">
+              <a:off x="4106925" y="4050847"/>
+              <a:ext cx="433106" cy="433106"/>
+            </a:xfrm>
+            <a:prstGeom prst="ellipse">
+              <a:avLst/>
+            </a:prstGeom>
+            <a:solidFill>
+              <a:srgbClr val="FFED00"/>
+            </a:solidFill>
+            <a:ln w="28575">
+              <a:noFill/>
+            </a:ln>
+            <a:effectLst/>
+          </p:spPr>
+          <p:txBody>
+            <a:bodyPr lIns="0" tIns="0" rIns="0" bIns="0" rtlCol="0" anchor="ctr"/>
+            <a:lstStyle/>
+            <a:p>
+              <a:pPr marL="0" marR="0" lvl="0" indent="0" algn="ctr" defTabSz="914400" eaLnBrk="1" fontAlgn="auto" latinLnBrk="0" hangingPunct="1">
+                <a:lnSpc>
+                  <a:spcPct val="100000"/>
+                </a:lnSpc>
+                <a:spcBef>
+                  <a:spcPts val="0"/>
+                </a:spcBef>
+                <a:spcAft>
+                  <a:spcPts val="0"/>
+                </a:spcAft>
+                <a:buClrTx/>
+                <a:buSzTx/>
+                <a:buFontTx/>
+                <a:buNone/>
+                <a:tabLst/>
+                <a:defRPr/>
+              </a:pPr>
+              <a:endParaRPr kumimoji="0" lang="en-GB" sz="1100" b="1" i="0" u="none" strike="noStrike" kern="0" cap="none" spc="0" normalizeH="0" baseline="0" noProof="0" dirty="0">
+                <a:ln>
+                  <a:noFill/>
+                </a:ln>
+                <a:solidFill>
+                  <a:srgbClr val="000000"/>
+                </a:solidFill>
+                <a:effectLst/>
+                <a:uLnTx/>
+                <a:uFillTx/>
+              </a:endParaRPr>
+            </a:p>
+          </p:txBody>
+        </p:sp>
+        <p:sp>
+          <p:nvSpPr>
+            <p:cNvPr id="105" name="Oval 104">
+              <a:extLst>
+                <a:ext uri="{FF2B5EF4-FFF2-40B4-BE49-F238E27FC236}">
+                  <a16:creationId xmlns:a16="http://schemas.microsoft.com/office/drawing/2014/main" id="{712907F7-57A9-4C73-BEEC-A27B51CBF3C1}"/>
+                </a:ext>
+              </a:extLst>
+            </p:cNvPr>
+            <p:cNvSpPr/>
+            <p:nvPr/>
+          </p:nvSpPr>
+          <p:spPr>
+            <a:xfrm rot="2248319">
+              <a:off x="2983156" y="3505997"/>
+              <a:ext cx="433106" cy="433106"/>
+            </a:xfrm>
+            <a:prstGeom prst="ellipse">
+              <a:avLst/>
+            </a:prstGeom>
+            <a:solidFill>
+              <a:srgbClr val="FFED00"/>
+            </a:solidFill>
+            <a:ln w="28575">
+              <a:noFill/>
+            </a:ln>
+            <a:effectLst/>
+          </p:spPr>
+          <p:txBody>
+            <a:bodyPr lIns="0" tIns="0" rIns="0" bIns="0" rtlCol="0" anchor="ctr"/>
+            <a:lstStyle/>
+            <a:p>
+              <a:pPr marL="0" marR="0" lvl="0" indent="0" algn="ctr" defTabSz="914400" eaLnBrk="1" fontAlgn="auto" latinLnBrk="0" hangingPunct="1">
+                <a:lnSpc>
+                  <a:spcPct val="100000"/>
+                </a:lnSpc>
+                <a:spcBef>
+                  <a:spcPts val="0"/>
+                </a:spcBef>
+                <a:spcAft>
+                  <a:spcPts val="0"/>
+                </a:spcAft>
+                <a:buClrTx/>
+                <a:buSzTx/>
+                <a:buFontTx/>
+                <a:buNone/>
+                <a:tabLst/>
+                <a:defRPr/>
+              </a:pPr>
+              <a:endParaRPr kumimoji="0" lang="en-GB" sz="1100" b="1" i="0" u="none" strike="noStrike" kern="0" cap="none" spc="0" normalizeH="0" baseline="0" noProof="0" dirty="0">
+                <a:ln>
+                  <a:noFill/>
+                </a:ln>
+                <a:solidFill>
+                  <a:srgbClr val="000000"/>
+                </a:solidFill>
+                <a:effectLst/>
+                <a:uLnTx/>
+                <a:uFillTx/>
+              </a:endParaRPr>
+            </a:p>
+          </p:txBody>
+        </p:sp>
+        <p:sp>
+          <p:nvSpPr>
+            <p:cNvPr id="106" name="Oval 105">
+              <a:extLst>
+                <a:ext uri="{FF2B5EF4-FFF2-40B4-BE49-F238E27FC236}">
+                  <a16:creationId xmlns:a16="http://schemas.microsoft.com/office/drawing/2014/main" id="{85878201-FA39-455F-994C-FC1D89230EBA}"/>
+                </a:ext>
+              </a:extLst>
+            </p:cNvPr>
+            <p:cNvSpPr/>
+            <p:nvPr/>
+          </p:nvSpPr>
+          <p:spPr>
+            <a:xfrm rot="2248319">
+              <a:off x="3265335" y="2009393"/>
+              <a:ext cx="433106" cy="433106"/>
+            </a:xfrm>
+            <a:prstGeom prst="ellipse">
+              <a:avLst/>
+            </a:prstGeom>
+            <a:solidFill>
+              <a:srgbClr val="FFED00"/>
+            </a:solidFill>
+            <a:ln w="28575">
+              <a:noFill/>
+            </a:ln>
+            <a:effectLst/>
+          </p:spPr>
+          <p:txBody>
+            <a:bodyPr lIns="0" tIns="0" rIns="0" bIns="0" rtlCol="0" anchor="ctr"/>
+            <a:lstStyle/>
+            <a:p>
+              <a:pPr marL="0" marR="0" lvl="0" indent="0" algn="ctr" defTabSz="914400" eaLnBrk="1" fontAlgn="auto" latinLnBrk="0" hangingPunct="1">
+                <a:lnSpc>
+                  <a:spcPct val="100000"/>
+                </a:lnSpc>
+                <a:spcBef>
+                  <a:spcPts val="0"/>
+                </a:spcBef>
+                <a:spcAft>
+                  <a:spcPts val="0"/>
+                </a:spcAft>
+                <a:buClrTx/>
+                <a:buSzTx/>
+                <a:buFontTx/>
+                <a:buNone/>
+                <a:tabLst/>
+                <a:defRPr/>
+              </a:pPr>
+              <a:endParaRPr kumimoji="0" lang="en-GB" sz="1100" b="1" i="0" u="none" strike="noStrike" kern="0" cap="none" spc="0" normalizeH="0" baseline="0" noProof="0" dirty="0">
+                <a:ln>
+                  <a:noFill/>
+                </a:ln>
+                <a:solidFill>
+                  <a:srgbClr val="000000"/>
+                </a:solidFill>
+                <a:effectLst/>
+                <a:uLnTx/>
+                <a:uFillTx/>
+              </a:endParaRPr>
+            </a:p>
+          </p:txBody>
+        </p:sp>
+        <p:sp>
+          <p:nvSpPr>
+            <p:cNvPr id="107" name="Oval 106">
+              <a:extLst>
+                <a:ext uri="{FF2B5EF4-FFF2-40B4-BE49-F238E27FC236}">
+                  <a16:creationId xmlns:a16="http://schemas.microsoft.com/office/drawing/2014/main" id="{37DE0302-B6D0-4CA6-99F4-27F7B027A031}"/>
+                </a:ext>
+              </a:extLst>
+            </p:cNvPr>
+            <p:cNvSpPr/>
+            <p:nvPr/>
+          </p:nvSpPr>
+          <p:spPr>
+            <a:xfrm rot="2248319">
+              <a:off x="4822564" y="4649470"/>
+              <a:ext cx="433106" cy="433106"/>
+            </a:xfrm>
+            <a:prstGeom prst="ellipse">
+              <a:avLst/>
+            </a:prstGeom>
+            <a:solidFill>
+              <a:srgbClr val="FFED00"/>
+            </a:solidFill>
+            <a:ln w="28575">
+              <a:noFill/>
+            </a:ln>
+            <a:effectLst/>
+          </p:spPr>
+          <p:txBody>
+            <a:bodyPr lIns="0" tIns="0" rIns="0" bIns="0" rtlCol="0" anchor="ctr"/>
+            <a:lstStyle/>
+            <a:p>
+              <a:pPr marL="0" marR="0" lvl="0" indent="0" algn="ctr" defTabSz="914400" eaLnBrk="1" fontAlgn="auto" latinLnBrk="0" hangingPunct="1">
+                <a:lnSpc>
+                  <a:spcPct val="100000"/>
+                </a:lnSpc>
+                <a:spcBef>
+                  <a:spcPts val="0"/>
+                </a:spcBef>
+                <a:spcAft>
+                  <a:spcPts val="0"/>
+                </a:spcAft>
+                <a:buClrTx/>
+                <a:buSzTx/>
+                <a:buFontTx/>
+                <a:buNone/>
+                <a:tabLst/>
+                <a:defRPr/>
+              </a:pPr>
+              <a:endParaRPr kumimoji="0" lang="en-GB" sz="1100" b="1" i="0" u="none" strike="noStrike" kern="0" cap="none" spc="0" normalizeH="0" baseline="0" noProof="0" dirty="0">
+                <a:ln>
+                  <a:noFill/>
+                </a:ln>
+                <a:solidFill>
+                  <a:srgbClr val="000000"/>
+                </a:solidFill>
+                <a:effectLst/>
+                <a:uLnTx/>
+                <a:uFillTx/>
+              </a:endParaRPr>
+            </a:p>
+          </p:txBody>
+        </p:sp>
+        <p:cxnSp>
+          <p:nvCxnSpPr>
+            <p:cNvPr id="108" name="Straight Connector 107">
+              <a:extLst>
+                <a:ext uri="{FF2B5EF4-FFF2-40B4-BE49-F238E27FC236}">
+                  <a16:creationId xmlns:a16="http://schemas.microsoft.com/office/drawing/2014/main" id="{EC765829-9D54-4B5D-B11B-766706A9D258}"/>
+                </a:ext>
+              </a:extLst>
+            </p:cNvPr>
+            <p:cNvCxnSpPr>
+              <a:cxnSpLocks/>
+            </p:cNvCxnSpPr>
+            <p:nvPr/>
+          </p:nvCxnSpPr>
+          <p:spPr>
+            <a:xfrm>
+              <a:off x="4682605" y="3215261"/>
+              <a:ext cx="377599" cy="1712581"/>
+            </a:xfrm>
+            <a:prstGeom prst="line">
+              <a:avLst/>
+            </a:prstGeom>
+            <a:solidFill>
+              <a:srgbClr val="FFED00"/>
+            </a:solidFill>
+            <a:ln w="12700" cap="sq" cmpd="sng" algn="ctr">
+              <a:solidFill>
+                <a:srgbClr val="FFED00"/>
+              </a:solidFill>
+              <a:prstDash val="solid"/>
+            </a:ln>
+            <a:effectLst/>
+          </p:spPr>
+        </p:cxnSp>
+        <p:cxnSp>
+          <p:nvCxnSpPr>
+            <p:cNvPr id="109" name="Straight Connector 108">
+              <a:extLst>
+                <a:ext uri="{FF2B5EF4-FFF2-40B4-BE49-F238E27FC236}">
+                  <a16:creationId xmlns:a16="http://schemas.microsoft.com/office/drawing/2014/main" id="{0BA3334D-D837-4C8D-A9B2-E66B5B5FA9C3}"/>
+                </a:ext>
+              </a:extLst>
+            </p:cNvPr>
+            <p:cNvCxnSpPr>
+              <a:cxnSpLocks/>
+            </p:cNvCxnSpPr>
+            <p:nvPr/>
+          </p:nvCxnSpPr>
+          <p:spPr>
+            <a:xfrm flipH="1">
+              <a:off x="5039117" y="3468335"/>
+              <a:ext cx="377917" cy="1387074"/>
+            </a:xfrm>
+            <a:prstGeom prst="line">
+              <a:avLst/>
+            </a:prstGeom>
+            <a:solidFill>
+              <a:srgbClr val="FFED00"/>
+            </a:solidFill>
+            <a:ln w="12700" cap="sq" cmpd="sng" algn="ctr">
+              <a:solidFill>
+                <a:srgbClr val="FFED00"/>
+              </a:solidFill>
+              <a:prstDash val="solid"/>
+            </a:ln>
+            <a:effectLst/>
+          </p:spPr>
+        </p:cxnSp>
+        <p:cxnSp>
+          <p:nvCxnSpPr>
+            <p:cNvPr id="110" name="Straight Connector 109">
+              <a:extLst>
+                <a:ext uri="{FF2B5EF4-FFF2-40B4-BE49-F238E27FC236}">
+                  <a16:creationId xmlns:a16="http://schemas.microsoft.com/office/drawing/2014/main" id="{1CF574B6-8A0E-4FDB-9C66-C275C7E185A4}"/>
+                </a:ext>
+              </a:extLst>
+            </p:cNvPr>
+            <p:cNvCxnSpPr>
+              <a:cxnSpLocks/>
+            </p:cNvCxnSpPr>
+            <p:nvPr/>
+          </p:nvCxnSpPr>
+          <p:spPr>
+            <a:xfrm flipV="1">
+              <a:off x="4182775" y="4298273"/>
+              <a:ext cx="135921" cy="892483"/>
+            </a:xfrm>
+            <a:prstGeom prst="line">
+              <a:avLst/>
+            </a:prstGeom>
+            <a:noFill/>
+            <a:ln w="12700" cap="sq" cmpd="sng" algn="ctr">
+              <a:solidFill>
+                <a:srgbClr val="FFED00"/>
+              </a:solidFill>
+              <a:prstDash val="solid"/>
+            </a:ln>
+            <a:effectLst/>
+          </p:spPr>
+        </p:cxnSp>
+        <p:cxnSp>
+          <p:nvCxnSpPr>
+            <p:cNvPr id="111" name="Straight Connector 110">
+              <a:extLst>
+                <a:ext uri="{FF2B5EF4-FFF2-40B4-BE49-F238E27FC236}">
+                  <a16:creationId xmlns:a16="http://schemas.microsoft.com/office/drawing/2014/main" id="{180751DB-BC0F-462E-82CC-D178CE258D46}"/>
+                </a:ext>
+              </a:extLst>
+            </p:cNvPr>
+            <p:cNvCxnSpPr>
+              <a:cxnSpLocks/>
+            </p:cNvCxnSpPr>
+            <p:nvPr/>
+          </p:nvCxnSpPr>
+          <p:spPr>
+            <a:xfrm>
+              <a:off x="3256205" y="3774781"/>
+              <a:ext cx="1058672" cy="508228"/>
+            </a:xfrm>
+            <a:prstGeom prst="line">
+              <a:avLst/>
+            </a:prstGeom>
+            <a:noFill/>
+            <a:ln w="12700" cap="sq" cmpd="sng" algn="ctr">
+              <a:solidFill>
+                <a:srgbClr val="FFED00"/>
+              </a:solidFill>
+              <a:prstDash val="solid"/>
+            </a:ln>
+            <a:effectLst/>
+          </p:spPr>
+        </p:cxnSp>
+        <p:cxnSp>
+          <p:nvCxnSpPr>
+            <p:cNvPr id="112" name="Straight Connector 111">
+              <a:extLst>
+                <a:ext uri="{FF2B5EF4-FFF2-40B4-BE49-F238E27FC236}">
+                  <a16:creationId xmlns:a16="http://schemas.microsoft.com/office/drawing/2014/main" id="{4C98EAAA-C775-4C84-B2F3-54473C7B981E}"/>
+                </a:ext>
+              </a:extLst>
+            </p:cNvPr>
+            <p:cNvCxnSpPr>
+              <a:cxnSpLocks/>
+            </p:cNvCxnSpPr>
+            <p:nvPr/>
+          </p:nvCxnSpPr>
+          <p:spPr>
+            <a:xfrm flipV="1">
+              <a:off x="2334131" y="3719338"/>
+              <a:ext cx="863960" cy="18892"/>
+            </a:xfrm>
+            <a:prstGeom prst="line">
+              <a:avLst/>
+            </a:prstGeom>
+            <a:noFill/>
+            <a:ln w="12700" cap="sq" cmpd="sng" algn="ctr">
+              <a:solidFill>
+                <a:srgbClr val="FFED00"/>
+              </a:solidFill>
+              <a:prstDash val="solid"/>
+            </a:ln>
+            <a:effectLst/>
+          </p:spPr>
+        </p:cxnSp>
+        <p:cxnSp>
+          <p:nvCxnSpPr>
+            <p:cNvPr id="113" name="Straight Connector 112">
+              <a:extLst>
+                <a:ext uri="{FF2B5EF4-FFF2-40B4-BE49-F238E27FC236}">
+                  <a16:creationId xmlns:a16="http://schemas.microsoft.com/office/drawing/2014/main" id="{B33A644F-3D9B-4C3B-AF17-58308C9C4012}"/>
+                </a:ext>
+              </a:extLst>
+            </p:cNvPr>
+            <p:cNvCxnSpPr>
+              <a:cxnSpLocks/>
+            </p:cNvCxnSpPr>
+            <p:nvPr/>
+          </p:nvCxnSpPr>
+          <p:spPr>
+            <a:xfrm flipV="1">
+              <a:off x="2949174" y="2225947"/>
+              <a:ext cx="527590" cy="753706"/>
+            </a:xfrm>
+            <a:prstGeom prst="line">
+              <a:avLst/>
+            </a:prstGeom>
+            <a:solidFill>
+              <a:srgbClr val="FFED00"/>
+            </a:solidFill>
+            <a:ln w="12700" cap="sq" cmpd="sng" algn="ctr">
+              <a:solidFill>
+                <a:srgbClr val="FFED00"/>
+              </a:solidFill>
+              <a:prstDash val="solid"/>
+            </a:ln>
+            <a:effectLst/>
+          </p:spPr>
+        </p:cxnSp>
+        <p:cxnSp>
+          <p:nvCxnSpPr>
+            <p:cNvPr id="114" name="Straight Connector 113">
+              <a:extLst>
+                <a:ext uri="{FF2B5EF4-FFF2-40B4-BE49-F238E27FC236}">
+                  <a16:creationId xmlns:a16="http://schemas.microsoft.com/office/drawing/2014/main" id="{4F95006B-1CC0-4CAB-89DA-54254BF8F12F}"/>
+                </a:ext>
+              </a:extLst>
+            </p:cNvPr>
+            <p:cNvCxnSpPr>
+              <a:cxnSpLocks/>
+            </p:cNvCxnSpPr>
+            <p:nvPr/>
+          </p:nvCxnSpPr>
+          <p:spPr>
+            <a:xfrm flipH="1" flipV="1">
+              <a:off x="4186689" y="2502476"/>
+              <a:ext cx="504958" cy="694162"/>
+            </a:xfrm>
+            <a:prstGeom prst="line">
+              <a:avLst/>
+            </a:prstGeom>
+            <a:noFill/>
+            <a:ln w="12700" cap="sq" cmpd="sng" algn="ctr">
+              <a:solidFill>
+                <a:srgbClr val="FFED00"/>
+              </a:solidFill>
+              <a:prstDash val="solid"/>
+            </a:ln>
+            <a:effectLst/>
+          </p:spPr>
+        </p:cxnSp>
+        <p:cxnSp>
+          <p:nvCxnSpPr>
+            <p:cNvPr id="115" name="Straight Connector 114">
+              <a:extLst>
+                <a:ext uri="{FF2B5EF4-FFF2-40B4-BE49-F238E27FC236}">
+                  <a16:creationId xmlns:a16="http://schemas.microsoft.com/office/drawing/2014/main" id="{D8978FF8-B7D4-497F-9CE5-70D54148BA29}"/>
+                </a:ext>
+              </a:extLst>
+            </p:cNvPr>
+            <p:cNvCxnSpPr>
+              <a:cxnSpLocks/>
+            </p:cNvCxnSpPr>
+            <p:nvPr/>
+          </p:nvCxnSpPr>
+          <p:spPr>
+            <a:xfrm flipH="1" flipV="1">
+              <a:off x="4650346" y="3189423"/>
+              <a:ext cx="783590" cy="267001"/>
+            </a:xfrm>
+            <a:prstGeom prst="line">
+              <a:avLst/>
+            </a:prstGeom>
+            <a:noFill/>
+            <a:ln w="12700" cap="sq" cmpd="sng" algn="ctr">
+              <a:solidFill>
+                <a:srgbClr val="FFED00"/>
+              </a:solidFill>
+              <a:prstDash val="solid"/>
+            </a:ln>
+            <a:effectLst/>
+          </p:spPr>
+        </p:cxnSp>
+        <p:sp>
+          <p:nvSpPr>
+            <p:cNvPr id="116" name="Oval 115">
+              <a:extLst>
+                <a:ext uri="{FF2B5EF4-FFF2-40B4-BE49-F238E27FC236}">
+                  <a16:creationId xmlns:a16="http://schemas.microsoft.com/office/drawing/2014/main" id="{B4195C8C-2AA9-4731-B8FA-7ABBFC206C4D}"/>
+                </a:ext>
+              </a:extLst>
+            </p:cNvPr>
+            <p:cNvSpPr/>
+            <p:nvPr/>
+          </p:nvSpPr>
+          <p:spPr>
+            <a:xfrm rot="2248319">
+              <a:off x="2548891" y="2540775"/>
+              <a:ext cx="832731" cy="832731"/>
+            </a:xfrm>
+            <a:prstGeom prst="ellipse">
+              <a:avLst/>
+            </a:prstGeom>
+            <a:solidFill>
+              <a:schemeClr val="bg1"/>
+            </a:solidFill>
+            <a:ln>
+              <a:noFill/>
+            </a:ln>
+            <a:effectLst/>
+          </p:spPr>
+          <p:txBody>
+            <a:bodyPr lIns="0" tIns="0" rIns="0" bIns="0" rtlCol="0" anchor="ctr"/>
+            <a:lstStyle/>
+            <a:p>
+              <a:pPr marL="0" marR="0" lvl="0" indent="0" algn="ctr" defTabSz="914400" eaLnBrk="1" fontAlgn="auto" latinLnBrk="0" hangingPunct="1">
+                <a:lnSpc>
+                  <a:spcPct val="100000"/>
+                </a:lnSpc>
+                <a:spcBef>
+                  <a:spcPts val="0"/>
+                </a:spcBef>
+                <a:spcAft>
+                  <a:spcPts val="0"/>
+                </a:spcAft>
+                <a:buClrTx/>
+                <a:buSzTx/>
+                <a:buFontTx/>
+                <a:buNone/>
+                <a:tabLst/>
+                <a:defRPr/>
+              </a:pPr>
+              <a:endParaRPr kumimoji="0" lang="en-GB" sz="1100" b="1" i="0" u="none" strike="noStrike" kern="0" cap="none" spc="0" normalizeH="0" baseline="0" noProof="0" dirty="0">
+                <a:ln>
+                  <a:noFill/>
+                </a:ln>
+                <a:solidFill>
+                  <a:srgbClr val="FFFFFF"/>
+                </a:solidFill>
+                <a:effectLst/>
+                <a:uLnTx/>
+                <a:uFillTx/>
+              </a:endParaRPr>
+            </a:p>
+          </p:txBody>
+        </p:sp>
+        <p:sp>
+          <p:nvSpPr>
+            <p:cNvPr id="117" name="Oval 116">
+              <a:extLst>
+                <a:ext uri="{FF2B5EF4-FFF2-40B4-BE49-F238E27FC236}">
+                  <a16:creationId xmlns:a16="http://schemas.microsoft.com/office/drawing/2014/main" id="{A4AF7DAE-9E3A-4F13-88B0-6335FDD34C4E}"/>
+                </a:ext>
+              </a:extLst>
+            </p:cNvPr>
+            <p:cNvSpPr/>
+            <p:nvPr/>
+          </p:nvSpPr>
+          <p:spPr>
+            <a:xfrm rot="2248319">
+              <a:off x="1921047" y="3359826"/>
+              <a:ext cx="832731" cy="832731"/>
+            </a:xfrm>
+            <a:prstGeom prst="ellipse">
+              <a:avLst/>
+            </a:prstGeom>
+            <a:solidFill>
+              <a:schemeClr val="bg1"/>
+            </a:solidFill>
+            <a:ln>
+              <a:noFill/>
+            </a:ln>
+            <a:effectLst/>
+          </p:spPr>
+          <p:txBody>
+            <a:bodyPr lIns="0" tIns="0" rIns="0" bIns="0" rtlCol="0" anchor="ctr"/>
+            <a:lstStyle/>
+            <a:p>
+              <a:pPr marL="0" marR="0" lvl="0" indent="0" algn="ctr" defTabSz="914400" eaLnBrk="1" fontAlgn="auto" latinLnBrk="0" hangingPunct="1">
+                <a:lnSpc>
+                  <a:spcPct val="100000"/>
+                </a:lnSpc>
+                <a:spcBef>
+                  <a:spcPts val="0"/>
+                </a:spcBef>
+                <a:spcAft>
+                  <a:spcPts val="0"/>
+                </a:spcAft>
+                <a:buClrTx/>
+                <a:buSzTx/>
+                <a:buFontTx/>
+                <a:buNone/>
+                <a:tabLst/>
+                <a:defRPr/>
+              </a:pPr>
+              <a:endParaRPr kumimoji="0" lang="en-GB" sz="1100" b="1" i="0" u="none" strike="noStrike" kern="0" cap="none" spc="0" normalizeH="0" baseline="0" noProof="0" dirty="0">
+                <a:ln>
+                  <a:noFill/>
+                </a:ln>
+                <a:solidFill>
+                  <a:srgbClr val="FFFFFF"/>
+                </a:solidFill>
+                <a:effectLst/>
+                <a:uLnTx/>
+                <a:uFillTx/>
+              </a:endParaRPr>
+            </a:p>
+          </p:txBody>
+        </p:sp>
+        <p:sp>
+          <p:nvSpPr>
+            <p:cNvPr id="118" name="Oval 117">
+              <a:extLst>
+                <a:ext uri="{FF2B5EF4-FFF2-40B4-BE49-F238E27FC236}">
+                  <a16:creationId xmlns:a16="http://schemas.microsoft.com/office/drawing/2014/main" id="{45A5E780-5F8A-43AC-9973-931DE3F7B7CD}"/>
+                </a:ext>
+              </a:extLst>
+            </p:cNvPr>
+            <p:cNvSpPr/>
+            <p:nvPr/>
+          </p:nvSpPr>
+          <p:spPr>
+            <a:xfrm rot="2248319">
+              <a:off x="3517009" y="3282887"/>
+              <a:ext cx="832731" cy="832731"/>
+            </a:xfrm>
+            <a:prstGeom prst="ellipse">
+              <a:avLst/>
+            </a:prstGeom>
+            <a:solidFill>
+              <a:schemeClr val="bg1"/>
+            </a:solidFill>
+            <a:ln>
+              <a:noFill/>
+            </a:ln>
+            <a:effectLst/>
+          </p:spPr>
+          <p:txBody>
+            <a:bodyPr lIns="0" tIns="0" rIns="0" bIns="0" rtlCol="0" anchor="ctr"/>
+            <a:lstStyle/>
+            <a:p>
+              <a:pPr marL="0" marR="0" lvl="0" indent="0" algn="ctr" defTabSz="914400" eaLnBrk="1" fontAlgn="auto" latinLnBrk="0" hangingPunct="1">
+                <a:lnSpc>
+                  <a:spcPct val="100000"/>
+                </a:lnSpc>
+                <a:spcBef>
+                  <a:spcPts val="0"/>
+                </a:spcBef>
+                <a:spcAft>
+                  <a:spcPts val="0"/>
+                </a:spcAft>
+                <a:buClrTx/>
+                <a:buSzTx/>
+                <a:buFontTx/>
+                <a:buNone/>
+                <a:tabLst/>
+                <a:defRPr/>
+              </a:pPr>
+              <a:endParaRPr kumimoji="0" lang="en-GB" sz="1100" b="1" i="0" u="none" strike="noStrike" kern="0" cap="none" spc="0" normalizeH="0" baseline="0" noProof="0" dirty="0">
+                <a:ln>
+                  <a:noFill/>
+                </a:ln>
+                <a:solidFill>
+                  <a:srgbClr val="FFFFFF"/>
+                </a:solidFill>
+                <a:effectLst/>
+                <a:uLnTx/>
+                <a:uFillTx/>
+              </a:endParaRPr>
+            </a:p>
+          </p:txBody>
+        </p:sp>
+        <p:sp>
+          <p:nvSpPr>
+            <p:cNvPr id="119" name="Oval 118">
+              <a:extLst>
+                <a:ext uri="{FF2B5EF4-FFF2-40B4-BE49-F238E27FC236}">
+                  <a16:creationId xmlns:a16="http://schemas.microsoft.com/office/drawing/2014/main" id="{730FF260-DD24-4747-8B8D-A1F674DA72C0}"/>
+                </a:ext>
+              </a:extLst>
+            </p:cNvPr>
+            <p:cNvSpPr/>
+            <p:nvPr/>
+          </p:nvSpPr>
+          <p:spPr>
+            <a:xfrm rot="2248319">
+              <a:off x="5017571" y="3051970"/>
+              <a:ext cx="832731" cy="832731"/>
+            </a:xfrm>
+            <a:prstGeom prst="ellipse">
+              <a:avLst/>
+            </a:prstGeom>
+            <a:solidFill>
+              <a:schemeClr val="bg1"/>
+            </a:solidFill>
+            <a:ln w="28575">
+              <a:noFill/>
+            </a:ln>
+            <a:effectLst/>
+          </p:spPr>
+          <p:txBody>
+            <a:bodyPr lIns="0" tIns="0" rIns="0" bIns="0" rtlCol="0" anchor="ctr"/>
+            <a:lstStyle/>
+            <a:p>
+              <a:pPr marL="0" marR="0" lvl="0" indent="0" algn="ctr" defTabSz="914400" eaLnBrk="1" fontAlgn="auto" latinLnBrk="0" hangingPunct="1">
+                <a:lnSpc>
+                  <a:spcPct val="100000"/>
+                </a:lnSpc>
+                <a:spcBef>
+                  <a:spcPts val="0"/>
+                </a:spcBef>
+                <a:spcAft>
+                  <a:spcPts val="0"/>
+                </a:spcAft>
+                <a:buClrTx/>
+                <a:buSzTx/>
+                <a:buFontTx/>
+                <a:buNone/>
+                <a:tabLst/>
+                <a:defRPr/>
+              </a:pPr>
+              <a:endParaRPr kumimoji="0" lang="en-GB" sz="1100" b="1" i="0" u="none" strike="noStrike" kern="0" cap="none" spc="0" normalizeH="0" baseline="0" noProof="0" dirty="0">
+                <a:ln>
+                  <a:noFill/>
+                </a:ln>
+                <a:solidFill>
+                  <a:srgbClr val="000000"/>
+                </a:solidFill>
+                <a:effectLst/>
+                <a:uLnTx/>
+                <a:uFillTx/>
+              </a:endParaRPr>
+            </a:p>
+          </p:txBody>
+        </p:sp>
+        <p:cxnSp>
+          <p:nvCxnSpPr>
+            <p:cNvPr id="120" name="Straight Connector 119">
+              <a:extLst>
+                <a:ext uri="{FF2B5EF4-FFF2-40B4-BE49-F238E27FC236}">
+                  <a16:creationId xmlns:a16="http://schemas.microsoft.com/office/drawing/2014/main" id="{9F1503A6-9AD1-4B5F-80D1-237AE339DFF1}"/>
+                </a:ext>
+              </a:extLst>
+            </p:cNvPr>
+            <p:cNvCxnSpPr>
+              <a:cxnSpLocks/>
+            </p:cNvCxnSpPr>
+            <p:nvPr/>
+          </p:nvCxnSpPr>
+          <p:spPr>
+            <a:xfrm rot="2248319">
+              <a:off x="3815385" y="2545326"/>
+              <a:ext cx="528599" cy="1166483"/>
+            </a:xfrm>
+            <a:prstGeom prst="line">
+              <a:avLst/>
+            </a:prstGeom>
+            <a:solidFill>
+              <a:schemeClr val="bg1"/>
+            </a:solidFill>
+            <a:ln w="28575" cap="sq" cmpd="sng" algn="ctr">
+              <a:solidFill>
+                <a:schemeClr val="bg2"/>
+              </a:solidFill>
+              <a:prstDash val="solid"/>
+            </a:ln>
+            <a:effectLst/>
+          </p:spPr>
+        </p:cxnSp>
+        <p:sp>
+          <p:nvSpPr>
+            <p:cNvPr id="121" name="Oval 120">
+              <a:extLst>
+                <a:ext uri="{FF2B5EF4-FFF2-40B4-BE49-F238E27FC236}">
+                  <a16:creationId xmlns:a16="http://schemas.microsoft.com/office/drawing/2014/main" id="{25E2BC10-6011-4164-AC91-30CB87D6E471}"/>
+                </a:ext>
+              </a:extLst>
+            </p:cNvPr>
+            <p:cNvSpPr/>
+            <p:nvPr/>
+          </p:nvSpPr>
+          <p:spPr>
+            <a:xfrm rot="2248319">
+              <a:off x="3809930" y="2126252"/>
+              <a:ext cx="832731" cy="832731"/>
+            </a:xfrm>
+            <a:prstGeom prst="ellipse">
+              <a:avLst/>
+            </a:prstGeom>
+            <a:solidFill>
+              <a:schemeClr val="bg1"/>
+            </a:solidFill>
+            <a:ln w="28575">
+              <a:noFill/>
+            </a:ln>
+            <a:effectLst/>
+          </p:spPr>
+          <p:txBody>
+            <a:bodyPr lIns="0" tIns="0" rIns="0" bIns="0" rtlCol="0" anchor="ctr"/>
+            <a:lstStyle/>
+            <a:p>
+              <a:pPr marL="0" marR="0" lvl="0" indent="0" algn="ctr" defTabSz="914400" eaLnBrk="1" fontAlgn="auto" latinLnBrk="0" hangingPunct="1">
+                <a:lnSpc>
+                  <a:spcPct val="100000"/>
+                </a:lnSpc>
+                <a:spcBef>
+                  <a:spcPts val="0"/>
+                </a:spcBef>
+                <a:spcAft>
+                  <a:spcPts val="0"/>
+                </a:spcAft>
+                <a:buClrTx/>
+                <a:buSzTx/>
+                <a:buFontTx/>
+                <a:buNone/>
+                <a:tabLst/>
+                <a:defRPr/>
+              </a:pPr>
+              <a:endParaRPr kumimoji="0" lang="en-GB" sz="1100" b="1" i="0" u="none" strike="noStrike" kern="0" cap="none" spc="0" normalizeH="0" baseline="0" noProof="0" dirty="0">
+                <a:ln>
+                  <a:noFill/>
+                </a:ln>
+                <a:solidFill>
+                  <a:srgbClr val="000000"/>
+                </a:solidFill>
+                <a:effectLst/>
+                <a:uLnTx/>
+                <a:uFillTx/>
+              </a:endParaRPr>
+            </a:p>
+          </p:txBody>
+        </p:sp>
+        <p:cxnSp>
+          <p:nvCxnSpPr>
+            <p:cNvPr id="122" name="Straight Connector 121">
+              <a:extLst>
+                <a:ext uri="{FF2B5EF4-FFF2-40B4-BE49-F238E27FC236}">
+                  <a16:creationId xmlns:a16="http://schemas.microsoft.com/office/drawing/2014/main" id="{D6734884-B78D-46D8-A110-AEBB9C7E6C46}"/>
+                </a:ext>
+              </a:extLst>
+            </p:cNvPr>
+            <p:cNvCxnSpPr>
+              <a:cxnSpLocks/>
+            </p:cNvCxnSpPr>
+            <p:nvPr/>
+          </p:nvCxnSpPr>
+          <p:spPr>
+            <a:xfrm rot="2248319">
+              <a:off x="3184461" y="4855409"/>
+              <a:ext cx="1121681" cy="0"/>
+            </a:xfrm>
+            <a:prstGeom prst="line">
+              <a:avLst/>
+            </a:prstGeom>
+            <a:noFill/>
+            <a:ln w="28575" cap="sq" cmpd="sng" algn="ctr">
+              <a:solidFill>
+                <a:schemeClr val="bg2"/>
+              </a:solidFill>
+              <a:prstDash val="solid"/>
+            </a:ln>
+            <a:effectLst/>
+          </p:spPr>
+        </p:cxnSp>
+        <p:sp>
+          <p:nvSpPr>
+            <p:cNvPr id="123" name="Oval 122">
+              <a:extLst>
+                <a:ext uri="{FF2B5EF4-FFF2-40B4-BE49-F238E27FC236}">
+                  <a16:creationId xmlns:a16="http://schemas.microsoft.com/office/drawing/2014/main" id="{F5F78CDC-A067-4DF6-945D-3BCAF3CAD0B4}"/>
+                </a:ext>
+              </a:extLst>
+            </p:cNvPr>
+            <p:cNvSpPr/>
+            <p:nvPr/>
+          </p:nvSpPr>
+          <p:spPr>
+            <a:xfrm rot="2248319">
+              <a:off x="3766410" y="4774390"/>
+              <a:ext cx="832731" cy="832731"/>
+            </a:xfrm>
+            <a:prstGeom prst="ellipse">
+              <a:avLst/>
+            </a:prstGeom>
+            <a:solidFill>
+              <a:schemeClr val="bg1"/>
+            </a:solidFill>
+            <a:ln w="28575">
+              <a:noFill/>
+            </a:ln>
+            <a:effectLst/>
+          </p:spPr>
+          <p:txBody>
+            <a:bodyPr lIns="0" tIns="0" rIns="0" bIns="0" rtlCol="0" anchor="ctr"/>
+            <a:lstStyle/>
+            <a:p>
+              <a:pPr marL="0" marR="0" lvl="0" indent="0" algn="ctr" defTabSz="914400" eaLnBrk="1" fontAlgn="auto" latinLnBrk="0" hangingPunct="1">
+                <a:lnSpc>
+                  <a:spcPct val="100000"/>
+                </a:lnSpc>
+                <a:spcBef>
+                  <a:spcPts val="0"/>
+                </a:spcBef>
+                <a:spcAft>
+                  <a:spcPts val="0"/>
+                </a:spcAft>
+                <a:buClrTx/>
+                <a:buSzTx/>
+                <a:buFontTx/>
+                <a:buNone/>
+                <a:tabLst/>
+                <a:defRPr/>
+              </a:pPr>
+              <a:endParaRPr kumimoji="0" lang="en-GB" sz="1100" b="1" i="0" u="none" strike="noStrike" kern="0" cap="none" spc="0" normalizeH="0" baseline="0" noProof="0" dirty="0">
+                <a:ln>
+                  <a:noFill/>
+                </a:ln>
+                <a:solidFill>
+                  <a:srgbClr val="000000"/>
+                </a:solidFill>
+                <a:effectLst/>
+                <a:uLnTx/>
+                <a:uFillTx/>
+              </a:endParaRPr>
+            </a:p>
+          </p:txBody>
+        </p:sp>
+        <p:cxnSp>
+          <p:nvCxnSpPr>
+            <p:cNvPr id="124" name="Straight Connector 123">
+              <a:extLst>
+                <a:ext uri="{FF2B5EF4-FFF2-40B4-BE49-F238E27FC236}">
+                  <a16:creationId xmlns:a16="http://schemas.microsoft.com/office/drawing/2014/main" id="{940C642B-749D-40D4-8304-1F8DA944292B}"/>
+                </a:ext>
+              </a:extLst>
+            </p:cNvPr>
+            <p:cNvCxnSpPr>
+              <a:cxnSpLocks/>
+            </p:cNvCxnSpPr>
+            <p:nvPr/>
+          </p:nvCxnSpPr>
+          <p:spPr>
+            <a:xfrm rot="2248319" flipH="1">
+              <a:off x="4188701" y="3073759"/>
+              <a:ext cx="1017209" cy="1039076"/>
+            </a:xfrm>
+            <a:prstGeom prst="line">
+              <a:avLst/>
+            </a:prstGeom>
+            <a:noFill/>
+            <a:ln w="28575" cap="sq" cmpd="sng" algn="ctr">
+              <a:solidFill>
+                <a:schemeClr val="bg2"/>
+              </a:solidFill>
+              <a:prstDash val="solid"/>
+            </a:ln>
+            <a:effectLst/>
+          </p:spPr>
+        </p:cxnSp>
+        <p:cxnSp>
+          <p:nvCxnSpPr>
+            <p:cNvPr id="125" name="Straight Connector 124">
+              <a:extLst>
+                <a:ext uri="{FF2B5EF4-FFF2-40B4-BE49-F238E27FC236}">
+                  <a16:creationId xmlns:a16="http://schemas.microsoft.com/office/drawing/2014/main" id="{50683FA1-A1B6-45C7-A8BE-F3BF93023766}"/>
+                </a:ext>
+              </a:extLst>
+            </p:cNvPr>
+            <p:cNvCxnSpPr>
+              <a:cxnSpLocks/>
+            </p:cNvCxnSpPr>
+            <p:nvPr/>
+          </p:nvCxnSpPr>
+          <p:spPr>
+            <a:xfrm rot="2248319">
+              <a:off x="4655080" y="3564669"/>
+              <a:ext cx="34841" cy="1793987"/>
+            </a:xfrm>
+            <a:prstGeom prst="line">
+              <a:avLst/>
+            </a:prstGeom>
+            <a:noFill/>
+            <a:ln w="28575" cap="sq" cmpd="sng" algn="ctr">
+              <a:solidFill>
+                <a:schemeClr val="bg2"/>
+              </a:solidFill>
+              <a:prstDash val="solid"/>
+            </a:ln>
+            <a:effectLst/>
+          </p:spPr>
+        </p:cxnSp>
       </p:grpSp>
     </p:spTree>
     <p:extLst>

--- a/GeneralUX/DXC Digital Explorer Logos.pptx
+++ b/GeneralUX/DXC Digital Explorer Logos.pptx
@@ -206,13 +206,37 @@
 <file path=ppt/revisionInfo.xml><?xml version="1.0" encoding="utf-8"?>
 <p1510:revInfo xmlns:a="http://schemas.openxmlformats.org/drawingml/2006/main" xmlns:r="http://schemas.openxmlformats.org/officeDocument/2006/relationships" xmlns:p1510="http://schemas.microsoft.com/office/powerpoint/2015/10/main">
   <p1510:revLst>
-    <p1510:client id="{A7B0B08B-E841-4261-93A0-9E1A76D2ECEF}" v="4" dt="2019-06-26T10:59:46.010"/>
+    <p1510:client id="{F3F39201-320A-4A15-B24F-5D8F6750EAE2}" v="2" dt="2019-09-11T15:17:49.327"/>
   </p1510:revLst>
 </p1510:revInfo>
 </file>
 
 <file path=ppt/changesInfos/changesInfo1.xml><?xml version="1.0" encoding="utf-8"?>
 <pc:chgInfo xmlns:a="http://schemas.openxmlformats.org/drawingml/2006/main" xmlns:r="http://schemas.openxmlformats.org/officeDocument/2006/relationships" xmlns:ac="http://schemas.microsoft.com/office/drawing/2013/main/command" xmlns:pc="http://schemas.microsoft.com/office/powerpoint/2013/main/command">
+  <pc:docChgLst>
+    <pc:chgData name="Stevens, David" userId="73fe415a-d21a-4898-bfab-0e75d37181d7" providerId="ADAL" clId="{F3F39201-320A-4A15-B24F-5D8F6750EAE2}"/>
+    <pc:docChg chg="modSld">
+      <pc:chgData name="Stevens, David" userId="73fe415a-d21a-4898-bfab-0e75d37181d7" providerId="ADAL" clId="{F3F39201-320A-4A15-B24F-5D8F6750EAE2}" dt="2019-09-11T15:17:49.327" v="1" actId="207"/>
+      <pc:docMkLst>
+        <pc:docMk/>
+      </pc:docMkLst>
+      <pc:sldChg chg="modSp">
+        <pc:chgData name="Stevens, David" userId="73fe415a-d21a-4898-bfab-0e75d37181d7" providerId="ADAL" clId="{F3F39201-320A-4A15-B24F-5D8F6750EAE2}" dt="2019-09-11T15:17:49.327" v="1" actId="207"/>
+        <pc:sldMkLst>
+          <pc:docMk/>
+          <pc:sldMk cId="4159684376" sldId="256"/>
+        </pc:sldMkLst>
+        <pc:spChg chg="mod">
+          <ac:chgData name="Stevens, David" userId="73fe415a-d21a-4898-bfab-0e75d37181d7" providerId="ADAL" clId="{F3F39201-320A-4A15-B24F-5D8F6750EAE2}" dt="2019-09-11T15:17:49.327" v="1" actId="207"/>
+          <ac:spMkLst>
+            <pc:docMk/>
+            <pc:sldMk cId="4159684376" sldId="256"/>
+            <ac:spMk id="2" creationId="{1CE7CA3E-CB56-41E5-86F0-83B167A3D182}"/>
+          </ac:spMkLst>
+        </pc:spChg>
+      </pc:sldChg>
+    </pc:docChg>
+  </pc:docChgLst>
   <pc:docChgLst>
     <pc:chgData name="David Stevens" userId="73fe415a-d21a-4898-bfab-0e75d37181d7" providerId="ADAL" clId="{A7B0B08B-E841-4261-93A0-9E1A76D2ECEF}"/>
     <pc:docChg chg="modSld">
@@ -480,7 +504,7 @@
                 <a:latin typeface="Arial"/>
                 <a:cs typeface="Arial"/>
               </a:rPr>
-              <a:t>6/26/2019</a:t>
+              <a:t>9/11/2019</a:t>
             </a:fld>
             <a:endParaRPr lang="en-US">
               <a:latin typeface="Arial"/>
@@ -665,7 +689,7 @@
             <a:fld id="{73B26A0F-F4D6-9B4F-A87B-D8948CDE3BB4}" type="datetimeFigureOut">
               <a:rPr lang="en-US" smtClean="0"/>
               <a:pPr/>
-              <a:t>6/26/2019</a:t>
+              <a:t>9/11/2019</a:t>
             </a:fld>
             <a:endParaRPr lang="en-US"/>
           </a:p>
@@ -2309,7 +2333,7 @@
                   <a:spcPts val="0"/>
                 </a:spcBef>
               </a:pPr>
-              <a:t>June 26, 2019</a:t>
+              <a:t>September 11, 2019</a:t>
             </a:fld>
             <a:endParaRPr lang="en-US" sz="1400" b="0" dirty="0">
               <a:solidFill>
@@ -3728,7 +3752,7 @@
                   <a:spcPts val="0"/>
                 </a:spcBef>
               </a:pPr>
-              <a:t>June 26, 2019</a:t>
+              <a:t>September 11, 2019</a:t>
             </a:fld>
             <a:endParaRPr lang="en-US" sz="1400" b="0" dirty="0">
               <a:solidFill>
@@ -6631,7 +6655,7 @@
                   <a:spcPts val="0"/>
                 </a:spcBef>
               </a:pPr>
-              <a:t>June 26, 2019</a:t>
+              <a:t>September 11, 2019</a:t>
             </a:fld>
             <a:endParaRPr lang="en-US" sz="1400" b="0" dirty="0">
               <a:solidFill>
@@ -8152,7 +8176,7 @@
                   <a:spcPts val="0"/>
                 </a:spcBef>
               </a:pPr>
-              <a:t>June 26, 2019</a:t>
+              <a:t>September 11, 2019</a:t>
             </a:fld>
             <a:endParaRPr lang="en-US" sz="1400" b="0" dirty="0">
               <a:solidFill>
@@ -9596,7 +9620,7 @@
                   <a:spcPts val="0"/>
                 </a:spcBef>
               </a:pPr>
-              <a:t>June 26, 2019</a:t>
+              <a:t>September 11, 2019</a:t>
             </a:fld>
             <a:endParaRPr lang="en-US" sz="1400" b="0" dirty="0">
               <a:solidFill>
@@ -11838,7 +11862,7 @@
                   <a:spcPts val="0"/>
                 </a:spcBef>
               </a:pPr>
-              <a:t>June 26, 2019</a:t>
+              <a:t>September 11, 2019</a:t>
             </a:fld>
             <a:endParaRPr lang="en-US" sz="1400" b="0" dirty="0">
               <a:solidFill>
@@ -13325,7 +13349,7 @@
                   <a:spcPct val="50000"/>
                 </a:spcBef>
               </a:pPr>
-              <a:t>June 26, 2019</a:t>
+              <a:t>September 11, 2019</a:t>
             </a:fld>
             <a:endParaRPr lang="en-US" sz="1100" b="0" dirty="0">
               <a:solidFill>
@@ -15077,7 +15101,7 @@
                   <a:spcPct val="50000"/>
                 </a:spcBef>
               </a:pPr>
-              <a:t>June 26, 2019</a:t>
+              <a:t>September 11, 2019</a:t>
             </a:fld>
             <a:endParaRPr lang="en-US" sz="1100" b="0" dirty="0">
               <a:solidFill>
@@ -16710,7 +16734,7 @@
                   <a:spcPts val="0"/>
                 </a:spcBef>
               </a:pPr>
-              <a:t>June 26, 2019</a:t>
+              <a:t>September 11, 2019</a:t>
             </a:fld>
             <a:endParaRPr lang="en-US" sz="1100" b="0" dirty="0">
               <a:solidFill>
@@ -18108,7 +18132,7 @@
                   <a:spcPts val="0"/>
                 </a:spcBef>
               </a:pPr>
-              <a:t>June 26, 2019</a:t>
+              <a:t>September 11, 2019</a:t>
             </a:fld>
             <a:endParaRPr lang="en-US" sz="1100" b="0" dirty="0">
               <a:solidFill>
@@ -19544,7 +19568,7 @@
                   <a:spcPct val="50000"/>
                 </a:spcBef>
               </a:pPr>
-              <a:t>June 26, 2019</a:t>
+              <a:t>September 11, 2019</a:t>
             </a:fld>
             <a:endParaRPr lang="en-US" sz="1100" b="0" dirty="0">
               <a:solidFill>
@@ -22457,7 +22481,7 @@
                   <a:spcPts val="0"/>
                 </a:spcBef>
               </a:pPr>
-              <a:t>June 26, 2019</a:t>
+              <a:t>September 11, 2019</a:t>
             </a:fld>
             <a:endParaRPr lang="en-US" sz="1400" b="0" dirty="0">
               <a:solidFill>
@@ -24017,7 +24041,7 @@
                   <a:spcPts val="0"/>
                 </a:spcBef>
               </a:pPr>
-              <a:t>June 26, 2019</a:t>
+              <a:t>September 11, 2019</a:t>
             </a:fld>
             <a:endParaRPr lang="en-US" sz="1400" b="0" dirty="0">
               <a:solidFill>
@@ -25547,7 +25571,7 @@
                   <a:spcPts val="0"/>
                 </a:spcBef>
               </a:pPr>
-              <a:t>June 26, 2019</a:t>
+              <a:t>September 11, 2019</a:t>
             </a:fld>
             <a:endParaRPr lang="en-US" sz="1400" b="0" dirty="0">
               <a:solidFill>
@@ -26991,7 +27015,7 @@
                   <a:spcPts val="0"/>
                 </a:spcBef>
               </a:pPr>
-              <a:t>June 26, 2019</a:t>
+              <a:t>September 11, 2019</a:t>
             </a:fld>
             <a:endParaRPr lang="en-US" sz="1400" b="0" dirty="0">
               <a:solidFill>
@@ -28512,7 +28536,7 @@
                   <a:spcPts val="0"/>
                 </a:spcBef>
               </a:pPr>
-              <a:t>June 26, 2019</a:t>
+              <a:t>September 11, 2019</a:t>
             </a:fld>
             <a:endParaRPr lang="en-US" sz="1400" b="0" dirty="0">
               <a:solidFill>
@@ -29958,7 +29982,7 @@
                   <a:spcPts val="0"/>
                 </a:spcBef>
               </a:pPr>
-              <a:t>June 26, 2019</a:t>
+              <a:t>September 11, 2019</a:t>
             </a:fld>
             <a:endParaRPr lang="en-US" sz="1400" b="0" dirty="0">
               <a:solidFill>
@@ -31372,7 +31396,7 @@
                   <a:spcPts val="0"/>
                 </a:spcBef>
               </a:pPr>
-              <a:t>June 26, 2019</a:t>
+              <a:t>September 11, 2019</a:t>
             </a:fld>
             <a:endParaRPr lang="en-US" sz="1400" b="0" dirty="0">
               <a:solidFill>
@@ -32571,7 +32595,7 @@
                   <a:spcPts val="0"/>
                 </a:spcBef>
               </a:pPr>
-              <a:t>June 26, 2019</a:t>
+              <a:t>September 11, 2019</a:t>
             </a:fld>
             <a:endParaRPr lang="en-US" sz="1100" b="0" dirty="0">
               <a:solidFill>
@@ -33208,7 +33232,11 @@
           <a:lstStyle/>
           <a:p>
             <a:pPr algn="ctr"/>
-            <a:endParaRPr lang="en-GB"/>
+            <a:endParaRPr lang="en-GB">
+              <a:solidFill>
+                <a:srgbClr val="FF0000"/>
+              </a:solidFill>
+            </a:endParaRPr>
           </a:p>
         </p:txBody>
       </p:sp>
